--- a/intel_IP/IRIS/HW_IP/Interface/花費時間測試.pptx
+++ b/intel_IP/IRIS/HW_IP/Interface/花費時間測試.pptx
@@ -9,6 +9,11 @@
     <p:sldId id="257" r:id="rId3"/>
     <p:sldId id="258" r:id="rId4"/>
     <p:sldId id="259" r:id="rId5"/>
+    <p:sldId id="260" r:id="rId6"/>
+    <p:sldId id="261" r:id="rId7"/>
+    <p:sldId id="262" r:id="rId8"/>
+    <p:sldId id="263" r:id="rId9"/>
+    <p:sldId id="264" r:id="rId10"/>
   </p:sldIdLst>
   <p:sldSz cx="12192000" cy="6858000"/>
   <p:notesSz cx="6858000" cy="9144000"/>
@@ -107,6 +112,11 @@
       </a:defRPr>
     </a:lvl9pPr>
   </p:defaultTextStyle>
+  <p:extLst>
+    <p:ext uri="{EFAFB233-063F-42B5-8137-9DF3F51BA10A}">
+      <p15:sldGuideLst xmlns:p15="http://schemas.microsoft.com/office/powerpoint/2012/main"/>
+    </p:ext>
+  </p:extLst>
 </p:presentation>
 </file>
 
@@ -7659,10 +7669,4103 @@
           <a:chExt cx="0" cy="0"/>
         </a:xfrm>
       </p:grpSpPr>
+      <p:sp>
+        <p:nvSpPr>
+          <p:cNvPr id="2" name="文字方塊 1">
+            <a:extLst>
+              <a:ext uri="{FF2B5EF4-FFF2-40B4-BE49-F238E27FC236}">
+                <a16:creationId xmlns:a16="http://schemas.microsoft.com/office/drawing/2014/main" id="{A709FD95-9266-2B3F-0241-783DF7039C25}"/>
+              </a:ext>
+            </a:extLst>
+          </p:cNvPr>
+          <p:cNvSpPr txBox="1"/>
+          <p:nvPr/>
+        </p:nvSpPr>
+        <p:spPr>
+          <a:xfrm>
+            <a:off x="139148" y="277689"/>
+            <a:ext cx="2582758" cy="369332"/>
+          </a:xfrm>
+          <a:prstGeom prst="rect">
+            <a:avLst/>
+          </a:prstGeom>
+          <a:noFill/>
+        </p:spPr>
+        <p:txBody>
+          <a:bodyPr wrap="none" rtlCol="0">
+            <a:spAutoFit/>
+          </a:bodyPr>
+          <a:lstStyle/>
+          <a:p>
+            <a:r>
+              <a:rPr lang="en-US" altLang="zh-TW" u="sng" dirty="0"/>
+              <a:t>Whie loop() </a:t>
+            </a:r>
+            <a:r>
+              <a:rPr lang="zh-TW" altLang="en-US" u="sng" dirty="0"/>
+              <a:t>裡連續測試</a:t>
+            </a:r>
+            <a:r>
+              <a:rPr lang="en-US" altLang="zh-TW" u="sng" dirty="0"/>
+              <a:t>:</a:t>
+            </a:r>
+            <a:endParaRPr lang="zh-TW" altLang="en-US" u="sng" dirty="0"/>
+          </a:p>
+        </p:txBody>
+      </p:sp>
+      <p:pic>
+        <p:nvPicPr>
+          <p:cNvPr id="6" name="圖片 5">
+            <a:extLst>
+              <a:ext uri="{FF2B5EF4-FFF2-40B4-BE49-F238E27FC236}">
+                <a16:creationId xmlns:a16="http://schemas.microsoft.com/office/drawing/2014/main" id="{018E2018-987F-E923-3326-20C77EDD4D9B}"/>
+              </a:ext>
+            </a:extLst>
+          </p:cNvPr>
+          <p:cNvPicPr>
+            <a:picLocks noChangeAspect="1"/>
+          </p:cNvPicPr>
+          <p:nvPr/>
+        </p:nvPicPr>
+        <p:blipFill>
+          <a:blip r:embed="rId2"/>
+          <a:stretch>
+            <a:fillRect/>
+          </a:stretch>
+        </p:blipFill>
+        <p:spPr>
+          <a:xfrm>
+            <a:off x="327991" y="1183726"/>
+            <a:ext cx="7993107" cy="3844618"/>
+          </a:xfrm>
+          <a:prstGeom prst="rect">
+            <a:avLst/>
+          </a:prstGeom>
+        </p:spPr>
+      </p:pic>
+      <p:sp>
+        <p:nvSpPr>
+          <p:cNvPr id="7" name="文字方塊 6">
+            <a:extLst>
+              <a:ext uri="{FF2B5EF4-FFF2-40B4-BE49-F238E27FC236}">
+                <a16:creationId xmlns:a16="http://schemas.microsoft.com/office/drawing/2014/main" id="{1FCE7F3B-62C5-7D36-D03B-BCE9EBD6B34F}"/>
+              </a:ext>
+            </a:extLst>
+          </p:cNvPr>
+          <p:cNvSpPr txBox="1"/>
+          <p:nvPr/>
+        </p:nvSpPr>
+        <p:spPr>
+          <a:xfrm>
+            <a:off x="536713" y="5387009"/>
+            <a:ext cx="2278188" cy="646331"/>
+          </a:xfrm>
+          <a:prstGeom prst="rect">
+            <a:avLst/>
+          </a:prstGeom>
+          <a:noFill/>
+        </p:spPr>
+        <p:txBody>
+          <a:bodyPr wrap="none" rtlCol="0">
+            <a:spAutoFit/>
+          </a:bodyPr>
+          <a:lstStyle/>
+          <a:p>
+            <a:r>
+              <a:rPr lang="en-US" altLang="zh-TW" dirty="0"/>
+              <a:t>10</a:t>
+            </a:r>
+            <a:r>
+              <a:rPr lang="zh-TW" altLang="en-US" dirty="0"/>
+              <a:t>次連續取值無等待</a:t>
+            </a:r>
+            <a:endParaRPr lang="en-US" altLang="zh-TW" dirty="0"/>
+          </a:p>
+          <a:p>
+            <a:r>
+              <a:rPr lang="zh-TW" altLang="en-US" dirty="0"/>
+              <a:t>可確定解析度夠</a:t>
+            </a:r>
+          </a:p>
+        </p:txBody>
+      </p:sp>
+      <p:pic>
+        <p:nvPicPr>
+          <p:cNvPr id="9" name="圖片 8">
+            <a:extLst>
+              <a:ext uri="{FF2B5EF4-FFF2-40B4-BE49-F238E27FC236}">
+                <a16:creationId xmlns:a16="http://schemas.microsoft.com/office/drawing/2014/main" id="{D82977FB-93D7-EC26-CF6D-56F83CD4584E}"/>
+              </a:ext>
+            </a:extLst>
+          </p:cNvPr>
+          <p:cNvPicPr>
+            <a:picLocks noChangeAspect="1"/>
+          </p:cNvPicPr>
+          <p:nvPr/>
+        </p:nvPicPr>
+        <p:blipFill>
+          <a:blip r:embed="rId3"/>
+          <a:stretch>
+            <a:fillRect/>
+          </a:stretch>
+        </p:blipFill>
+        <p:spPr>
+          <a:xfrm>
+            <a:off x="6501543" y="3429000"/>
+            <a:ext cx="5153744" cy="3248478"/>
+          </a:xfrm>
+          <a:prstGeom prst="rect">
+            <a:avLst/>
+          </a:prstGeom>
+        </p:spPr>
+      </p:pic>
+      <p:sp>
+        <p:nvSpPr>
+          <p:cNvPr id="10" name="矩形 9">
+            <a:extLst>
+              <a:ext uri="{FF2B5EF4-FFF2-40B4-BE49-F238E27FC236}">
+                <a16:creationId xmlns:a16="http://schemas.microsoft.com/office/drawing/2014/main" id="{618B51D4-0B47-F10F-20B2-3D4D9CE95BE3}"/>
+              </a:ext>
+            </a:extLst>
+          </p:cNvPr>
+          <p:cNvSpPr/>
+          <p:nvPr/>
+        </p:nvSpPr>
+        <p:spPr>
+          <a:xfrm>
+            <a:off x="6501543" y="4302788"/>
+            <a:ext cx="1013791" cy="239395"/>
+          </a:xfrm>
+          <a:prstGeom prst="rect">
+            <a:avLst/>
+          </a:prstGeom>
+          <a:noFill/>
+          <a:ln>
+            <a:solidFill>
+              <a:srgbClr val="FF0000"/>
+            </a:solidFill>
+          </a:ln>
+        </p:spPr>
+        <p:style>
+          <a:lnRef idx="2">
+            <a:schemeClr val="accent1">
+              <a:shade val="15000"/>
+            </a:schemeClr>
+          </a:lnRef>
+          <a:fillRef idx="1">
+            <a:schemeClr val="accent1"/>
+          </a:fillRef>
+          <a:effectRef idx="0">
+            <a:schemeClr val="accent1"/>
+          </a:effectRef>
+          <a:fontRef idx="minor">
+            <a:schemeClr val="lt1"/>
+          </a:fontRef>
+        </p:style>
+        <p:txBody>
+          <a:bodyPr rtlCol="0" anchor="ctr"/>
+          <a:lstStyle/>
+          <a:p>
+            <a:pPr algn="ctr"/>
+            <a:endParaRPr lang="zh-TW" altLang="en-US"/>
+          </a:p>
+        </p:txBody>
+      </p:sp>
+      <p:sp>
+        <p:nvSpPr>
+          <p:cNvPr id="11" name="矩形 10">
+            <a:extLst>
+              <a:ext uri="{FF2B5EF4-FFF2-40B4-BE49-F238E27FC236}">
+                <a16:creationId xmlns:a16="http://schemas.microsoft.com/office/drawing/2014/main" id="{DE229D6E-6A93-63E4-A1E9-0B2CC2FB8E06}"/>
+              </a:ext>
+            </a:extLst>
+          </p:cNvPr>
+          <p:cNvSpPr/>
+          <p:nvPr/>
+        </p:nvSpPr>
+        <p:spPr>
+          <a:xfrm>
+            <a:off x="8034297" y="5749715"/>
+            <a:ext cx="1013791" cy="239395"/>
+          </a:xfrm>
+          <a:prstGeom prst="rect">
+            <a:avLst/>
+          </a:prstGeom>
+          <a:noFill/>
+          <a:ln>
+            <a:solidFill>
+              <a:srgbClr val="FF0000"/>
+            </a:solidFill>
+          </a:ln>
+        </p:spPr>
+        <p:style>
+          <a:lnRef idx="2">
+            <a:schemeClr val="accent1">
+              <a:shade val="15000"/>
+            </a:schemeClr>
+          </a:lnRef>
+          <a:fillRef idx="1">
+            <a:schemeClr val="accent1"/>
+          </a:fillRef>
+          <a:effectRef idx="0">
+            <a:schemeClr val="accent1"/>
+          </a:effectRef>
+          <a:fontRef idx="minor">
+            <a:schemeClr val="lt1"/>
+          </a:fontRef>
+        </p:style>
+        <p:txBody>
+          <a:bodyPr rtlCol="0" anchor="ctr"/>
+          <a:lstStyle/>
+          <a:p>
+            <a:pPr algn="ctr"/>
+            <a:endParaRPr lang="zh-TW" altLang="en-US"/>
+          </a:p>
+        </p:txBody>
+      </p:sp>
+      <p:sp>
+        <p:nvSpPr>
+          <p:cNvPr id="12" name="矩形 11">
+            <a:extLst>
+              <a:ext uri="{FF2B5EF4-FFF2-40B4-BE49-F238E27FC236}">
+                <a16:creationId xmlns:a16="http://schemas.microsoft.com/office/drawing/2014/main" id="{3F782ED1-CC9C-99BC-755E-597B3FDA3CEB}"/>
+              </a:ext>
+            </a:extLst>
+          </p:cNvPr>
+          <p:cNvSpPr/>
+          <p:nvPr/>
+        </p:nvSpPr>
+        <p:spPr>
+          <a:xfrm>
+            <a:off x="10260496" y="5180744"/>
+            <a:ext cx="1013791" cy="239395"/>
+          </a:xfrm>
+          <a:prstGeom prst="rect">
+            <a:avLst/>
+          </a:prstGeom>
+          <a:noFill/>
+          <a:ln>
+            <a:solidFill>
+              <a:srgbClr val="FF0000"/>
+            </a:solidFill>
+          </a:ln>
+        </p:spPr>
+        <p:style>
+          <a:lnRef idx="2">
+            <a:schemeClr val="accent1">
+              <a:shade val="15000"/>
+            </a:schemeClr>
+          </a:lnRef>
+          <a:fillRef idx="1">
+            <a:schemeClr val="accent1"/>
+          </a:fillRef>
+          <a:effectRef idx="0">
+            <a:schemeClr val="accent1"/>
+          </a:effectRef>
+          <a:fontRef idx="minor">
+            <a:schemeClr val="lt1"/>
+          </a:fontRef>
+        </p:style>
+        <p:txBody>
+          <a:bodyPr rtlCol="0" anchor="ctr"/>
+          <a:lstStyle/>
+          <a:p>
+            <a:pPr algn="ctr"/>
+            <a:endParaRPr lang="zh-TW" altLang="en-US"/>
+          </a:p>
+        </p:txBody>
+      </p:sp>
+      <p:sp>
+        <p:nvSpPr>
+          <p:cNvPr id="13" name="矩形 12">
+            <a:extLst>
+              <a:ext uri="{FF2B5EF4-FFF2-40B4-BE49-F238E27FC236}">
+                <a16:creationId xmlns:a16="http://schemas.microsoft.com/office/drawing/2014/main" id="{67223528-90B9-F720-6AA5-9B0C967F362D}"/>
+              </a:ext>
+            </a:extLst>
+          </p:cNvPr>
+          <p:cNvSpPr/>
+          <p:nvPr/>
+        </p:nvSpPr>
+        <p:spPr>
+          <a:xfrm>
+            <a:off x="8541192" y="3610362"/>
+            <a:ext cx="1013791" cy="239395"/>
+          </a:xfrm>
+          <a:prstGeom prst="rect">
+            <a:avLst/>
+          </a:prstGeom>
+          <a:noFill/>
+          <a:ln>
+            <a:solidFill>
+              <a:srgbClr val="FF0000"/>
+            </a:solidFill>
+          </a:ln>
+        </p:spPr>
+        <p:style>
+          <a:lnRef idx="2">
+            <a:schemeClr val="accent1">
+              <a:shade val="15000"/>
+            </a:schemeClr>
+          </a:lnRef>
+          <a:fillRef idx="1">
+            <a:schemeClr val="accent1"/>
+          </a:fillRef>
+          <a:effectRef idx="0">
+            <a:schemeClr val="accent1"/>
+          </a:effectRef>
+          <a:fontRef idx="minor">
+            <a:schemeClr val="lt1"/>
+          </a:fontRef>
+        </p:style>
+        <p:txBody>
+          <a:bodyPr rtlCol="0" anchor="ctr"/>
+          <a:lstStyle/>
+          <a:p>
+            <a:pPr algn="ctr"/>
+            <a:endParaRPr lang="zh-TW" altLang="en-US"/>
+          </a:p>
+        </p:txBody>
+      </p:sp>
+      <p:sp>
+        <p:nvSpPr>
+          <p:cNvPr id="14" name="矩形 13">
+            <a:extLst>
+              <a:ext uri="{FF2B5EF4-FFF2-40B4-BE49-F238E27FC236}">
+                <a16:creationId xmlns:a16="http://schemas.microsoft.com/office/drawing/2014/main" id="{C9E6B7E1-ABFA-096D-B4F2-731379D5D492}"/>
+              </a:ext>
+            </a:extLst>
+          </p:cNvPr>
+          <p:cNvSpPr/>
+          <p:nvPr/>
+        </p:nvSpPr>
+        <p:spPr>
+          <a:xfrm>
+            <a:off x="9574861" y="6448022"/>
+            <a:ext cx="1013791" cy="239395"/>
+          </a:xfrm>
+          <a:prstGeom prst="rect">
+            <a:avLst/>
+          </a:prstGeom>
+          <a:noFill/>
+          <a:ln>
+            <a:solidFill>
+              <a:srgbClr val="FF0000"/>
+            </a:solidFill>
+          </a:ln>
+        </p:spPr>
+        <p:style>
+          <a:lnRef idx="2">
+            <a:schemeClr val="accent1">
+              <a:shade val="15000"/>
+            </a:schemeClr>
+          </a:lnRef>
+          <a:fillRef idx="1">
+            <a:schemeClr val="accent1"/>
+          </a:fillRef>
+          <a:effectRef idx="0">
+            <a:schemeClr val="accent1"/>
+          </a:effectRef>
+          <a:fontRef idx="minor">
+            <a:schemeClr val="lt1"/>
+          </a:fontRef>
+        </p:style>
+        <p:txBody>
+          <a:bodyPr rtlCol="0" anchor="ctr"/>
+          <a:lstStyle/>
+          <a:p>
+            <a:pPr algn="ctr"/>
+            <a:endParaRPr lang="zh-TW" altLang="en-US"/>
+          </a:p>
+        </p:txBody>
+      </p:sp>
     </p:spTree>
     <p:extLst>
       <p:ext uri="{BB962C8B-B14F-4D97-AF65-F5344CB8AC3E}">
         <p14:creationId xmlns:p14="http://schemas.microsoft.com/office/powerpoint/2010/main" val="1007955172"/>
+      </p:ext>
+    </p:extLst>
+  </p:cSld>
+  <p:clrMapOvr>
+    <a:masterClrMapping/>
+  </p:clrMapOvr>
+</p:sld>
+</file>
+
+<file path=ppt/slides/slide5.xml><?xml version="1.0" encoding="utf-8"?>
+<p:sld xmlns:a="http://schemas.openxmlformats.org/drawingml/2006/main" xmlns:r="http://schemas.openxmlformats.org/officeDocument/2006/relationships" xmlns:p="http://schemas.openxmlformats.org/presentationml/2006/main">
+  <p:cSld>
+    <p:spTree>
+      <p:nvGrpSpPr>
+        <p:cNvPr id="1" name="">
+          <a:extLst>
+            <a:ext uri="{FF2B5EF4-FFF2-40B4-BE49-F238E27FC236}">
+              <a16:creationId xmlns:a16="http://schemas.microsoft.com/office/drawing/2014/main" id="{78608763-58E1-9A7D-7931-E7E03E21121A}"/>
+            </a:ext>
+          </a:extLst>
+        </p:cNvPr>
+        <p:cNvGrpSpPr/>
+        <p:nvPr/>
+      </p:nvGrpSpPr>
+      <p:grpSpPr>
+        <a:xfrm>
+          <a:off x="0" y="0"/>
+          <a:ext cx="0" cy="0"/>
+          <a:chOff x="0" y="0"/>
+          <a:chExt cx="0" cy="0"/>
+        </a:xfrm>
+      </p:grpSpPr>
+      <p:sp>
+        <p:nvSpPr>
+          <p:cNvPr id="2" name="文字方塊 1">
+            <a:extLst>
+              <a:ext uri="{FF2B5EF4-FFF2-40B4-BE49-F238E27FC236}">
+                <a16:creationId xmlns:a16="http://schemas.microsoft.com/office/drawing/2014/main" id="{9929C4F0-8F31-6282-1444-669E5B1078BE}"/>
+              </a:ext>
+            </a:extLst>
+          </p:cNvPr>
+          <p:cNvSpPr txBox="1"/>
+          <p:nvPr/>
+        </p:nvSpPr>
+        <p:spPr>
+          <a:xfrm>
+            <a:off x="139148" y="277689"/>
+            <a:ext cx="2582758" cy="369332"/>
+          </a:xfrm>
+          <a:prstGeom prst="rect">
+            <a:avLst/>
+          </a:prstGeom>
+          <a:noFill/>
+        </p:spPr>
+        <p:txBody>
+          <a:bodyPr wrap="none" rtlCol="0">
+            <a:spAutoFit/>
+          </a:bodyPr>
+          <a:lstStyle/>
+          <a:p>
+            <a:r>
+              <a:rPr lang="en-US" altLang="zh-TW" u="sng" dirty="0"/>
+              <a:t>Whie loop() </a:t>
+            </a:r>
+            <a:r>
+              <a:rPr lang="zh-TW" altLang="en-US" u="sng" dirty="0"/>
+              <a:t>裡連續測試</a:t>
+            </a:r>
+            <a:r>
+              <a:rPr lang="en-US" altLang="zh-TW" u="sng" dirty="0"/>
+              <a:t>:</a:t>
+            </a:r>
+            <a:endParaRPr lang="zh-TW" altLang="en-US" u="sng" dirty="0"/>
+          </a:p>
+        </p:txBody>
+      </p:sp>
+      <p:pic>
+        <p:nvPicPr>
+          <p:cNvPr id="4" name="圖片 3">
+            <a:extLst>
+              <a:ext uri="{FF2B5EF4-FFF2-40B4-BE49-F238E27FC236}">
+                <a16:creationId xmlns:a16="http://schemas.microsoft.com/office/drawing/2014/main" id="{490D5F45-0E5A-1D6B-D526-052CE554547A}"/>
+              </a:ext>
+            </a:extLst>
+          </p:cNvPr>
+          <p:cNvPicPr>
+            <a:picLocks noChangeAspect="1"/>
+          </p:cNvPicPr>
+          <p:nvPr/>
+        </p:nvPicPr>
+        <p:blipFill>
+          <a:blip r:embed="rId2"/>
+          <a:stretch>
+            <a:fillRect/>
+          </a:stretch>
+        </p:blipFill>
+        <p:spPr>
+          <a:xfrm>
+            <a:off x="5137968" y="1538023"/>
+            <a:ext cx="5096586" cy="3781953"/>
+          </a:xfrm>
+          <a:prstGeom prst="rect">
+            <a:avLst/>
+          </a:prstGeom>
+        </p:spPr>
+      </p:pic>
+      <p:sp>
+        <p:nvSpPr>
+          <p:cNvPr id="5" name="文字方塊 4">
+            <a:extLst>
+              <a:ext uri="{FF2B5EF4-FFF2-40B4-BE49-F238E27FC236}">
+                <a16:creationId xmlns:a16="http://schemas.microsoft.com/office/drawing/2014/main" id="{73B54DBE-7F75-0439-5531-53283F4AC123}"/>
+              </a:ext>
+            </a:extLst>
+          </p:cNvPr>
+          <p:cNvSpPr txBox="1"/>
+          <p:nvPr/>
+        </p:nvSpPr>
+        <p:spPr>
+          <a:xfrm>
+            <a:off x="337930" y="1053548"/>
+            <a:ext cx="646331" cy="369332"/>
+          </a:xfrm>
+          <a:prstGeom prst="rect">
+            <a:avLst/>
+          </a:prstGeom>
+          <a:noFill/>
+        </p:spPr>
+        <p:txBody>
+          <a:bodyPr wrap="none" rtlCol="0">
+            <a:spAutoFit/>
+          </a:bodyPr>
+          <a:lstStyle/>
+          <a:p>
+            <a:r>
+              <a:rPr lang="zh-TW" altLang="en-US" dirty="0"/>
+              <a:t>加法</a:t>
+            </a:r>
+          </a:p>
+        </p:txBody>
+      </p:sp>
+      <p:pic>
+        <p:nvPicPr>
+          <p:cNvPr id="7" name="圖片 6">
+            <a:extLst>
+              <a:ext uri="{FF2B5EF4-FFF2-40B4-BE49-F238E27FC236}">
+                <a16:creationId xmlns:a16="http://schemas.microsoft.com/office/drawing/2014/main" id="{86555415-679A-E78F-4E90-F6FDC1D6B071}"/>
+              </a:ext>
+            </a:extLst>
+          </p:cNvPr>
+          <p:cNvPicPr>
+            <a:picLocks noChangeAspect="1"/>
+          </p:cNvPicPr>
+          <p:nvPr/>
+        </p:nvPicPr>
+        <p:blipFill>
+          <a:blip r:embed="rId3"/>
+          <a:stretch>
+            <a:fillRect/>
+          </a:stretch>
+        </p:blipFill>
+        <p:spPr>
+          <a:xfrm>
+            <a:off x="984261" y="2695471"/>
+            <a:ext cx="2553056" cy="1467055"/>
+          </a:xfrm>
+          <a:prstGeom prst="rect">
+            <a:avLst/>
+          </a:prstGeom>
+        </p:spPr>
+      </p:pic>
+    </p:spTree>
+    <p:extLst>
+      <p:ext uri="{BB962C8B-B14F-4D97-AF65-F5344CB8AC3E}">
+        <p14:creationId xmlns:p14="http://schemas.microsoft.com/office/powerpoint/2010/main" val="3599665494"/>
+      </p:ext>
+    </p:extLst>
+  </p:cSld>
+  <p:clrMapOvr>
+    <a:masterClrMapping/>
+  </p:clrMapOvr>
+</p:sld>
+</file>
+
+<file path=ppt/slides/slide6.xml><?xml version="1.0" encoding="utf-8"?>
+<p:sld xmlns:a="http://schemas.openxmlformats.org/drawingml/2006/main" xmlns:r="http://schemas.openxmlformats.org/officeDocument/2006/relationships" xmlns:p="http://schemas.openxmlformats.org/presentationml/2006/main">
+  <p:cSld>
+    <p:spTree>
+      <p:nvGrpSpPr>
+        <p:cNvPr id="1" name="">
+          <a:extLst>
+            <a:ext uri="{FF2B5EF4-FFF2-40B4-BE49-F238E27FC236}">
+              <a16:creationId xmlns:a16="http://schemas.microsoft.com/office/drawing/2014/main" id="{0C220023-474C-42EA-5414-204C98FA5399}"/>
+            </a:ext>
+          </a:extLst>
+        </p:cNvPr>
+        <p:cNvGrpSpPr/>
+        <p:nvPr/>
+      </p:nvGrpSpPr>
+      <p:grpSpPr>
+        <a:xfrm>
+          <a:off x="0" y="0"/>
+          <a:ext cx="0" cy="0"/>
+          <a:chOff x="0" y="0"/>
+          <a:chExt cx="0" cy="0"/>
+        </a:xfrm>
+      </p:grpSpPr>
+      <p:pic>
+        <p:nvPicPr>
+          <p:cNvPr id="5" name="圖片 4">
+            <a:extLst>
+              <a:ext uri="{FF2B5EF4-FFF2-40B4-BE49-F238E27FC236}">
+                <a16:creationId xmlns:a16="http://schemas.microsoft.com/office/drawing/2014/main" id="{13E46487-EDDF-0E08-1518-C1F889B02993}"/>
+              </a:ext>
+            </a:extLst>
+          </p:cNvPr>
+          <p:cNvPicPr>
+            <a:picLocks noChangeAspect="1"/>
+          </p:cNvPicPr>
+          <p:nvPr/>
+        </p:nvPicPr>
+        <p:blipFill>
+          <a:blip r:embed="rId2"/>
+          <a:stretch>
+            <a:fillRect/>
+          </a:stretch>
+        </p:blipFill>
+        <p:spPr>
+          <a:xfrm>
+            <a:off x="6341015" y="284137"/>
+            <a:ext cx="5115639" cy="2333951"/>
+          </a:xfrm>
+          <a:prstGeom prst="rect">
+            <a:avLst/>
+          </a:prstGeom>
+        </p:spPr>
+      </p:pic>
+      <p:sp>
+        <p:nvSpPr>
+          <p:cNvPr id="6" name="文字方塊 5">
+            <a:extLst>
+              <a:ext uri="{FF2B5EF4-FFF2-40B4-BE49-F238E27FC236}">
+                <a16:creationId xmlns:a16="http://schemas.microsoft.com/office/drawing/2014/main" id="{D035E3B7-EFB4-C567-BC2A-A2437EF65C94}"/>
+              </a:ext>
+            </a:extLst>
+          </p:cNvPr>
+          <p:cNvSpPr txBox="1"/>
+          <p:nvPr/>
+        </p:nvSpPr>
+        <p:spPr>
+          <a:xfrm>
+            <a:off x="139148" y="277689"/>
+            <a:ext cx="2688813" cy="369332"/>
+          </a:xfrm>
+          <a:prstGeom prst="rect">
+            <a:avLst/>
+          </a:prstGeom>
+          <a:noFill/>
+        </p:spPr>
+        <p:txBody>
+          <a:bodyPr wrap="none" rtlCol="0">
+            <a:spAutoFit/>
+          </a:bodyPr>
+          <a:lstStyle/>
+          <a:p>
+            <a:r>
+              <a:rPr lang="zh-TW" altLang="en-US" u="sng" dirty="0"/>
+              <a:t>測試</a:t>
+            </a:r>
+            <a:r>
+              <a:rPr lang="en-US" altLang="zh-TW" u="sng" dirty="0" err="1"/>
+              <a:t>update_sensor_data</a:t>
+            </a:r>
+            <a:endParaRPr lang="zh-TW" altLang="en-US" u="sng" dirty="0"/>
+          </a:p>
+        </p:txBody>
+      </p:sp>
+      <p:graphicFrame>
+        <p:nvGraphicFramePr>
+          <p:cNvPr id="7" name="表格 6">
+            <a:extLst>
+              <a:ext uri="{FF2B5EF4-FFF2-40B4-BE49-F238E27FC236}">
+                <a16:creationId xmlns:a16="http://schemas.microsoft.com/office/drawing/2014/main" id="{14C3040C-9999-EBD7-F478-CBB96D72BA96}"/>
+              </a:ext>
+            </a:extLst>
+          </p:cNvPr>
+          <p:cNvGraphicFramePr>
+            <a:graphicFrameLocks noGrp="1"/>
+          </p:cNvGraphicFramePr>
+          <p:nvPr>
+            <p:extLst>
+              <p:ext uri="{D42A27DB-BD31-4B8C-83A1-F6EECF244321}">
+                <p14:modId xmlns:p14="http://schemas.microsoft.com/office/powerpoint/2010/main" val="2448697088"/>
+              </p:ext>
+            </p:extLst>
+          </p:nvPr>
+        </p:nvGraphicFramePr>
+        <p:xfrm>
+          <a:off x="680279" y="3429000"/>
+          <a:ext cx="11308521" cy="2595880"/>
+        </p:xfrm>
+        <a:graphic>
+          <a:graphicData uri="http://schemas.openxmlformats.org/drawingml/2006/table">
+            <a:tbl>
+              <a:tblPr firstRow="1" bandRow="1">
+                <a:tableStyleId>{5940675A-B579-460E-94D1-54222C63F5DA}</a:tableStyleId>
+              </a:tblPr>
+              <a:tblGrid>
+                <a:gridCol w="2709333">
+                  <a:extLst>
+                    <a:ext uri="{9D8B030D-6E8A-4147-A177-3AD203B41FA5}">
+                      <a16:colId xmlns:a16="http://schemas.microsoft.com/office/drawing/2014/main" val="2694532458"/>
+                    </a:ext>
+                  </a:extLst>
+                </a:gridCol>
+                <a:gridCol w="2709333">
+                  <a:extLst>
+                    <a:ext uri="{9D8B030D-6E8A-4147-A177-3AD203B41FA5}">
+                      <a16:colId xmlns:a16="http://schemas.microsoft.com/office/drawing/2014/main" val="1963943372"/>
+                    </a:ext>
+                  </a:extLst>
+                </a:gridCol>
+                <a:gridCol w="5889855">
+                  <a:extLst>
+                    <a:ext uri="{9D8B030D-6E8A-4147-A177-3AD203B41FA5}">
+                      <a16:colId xmlns:a16="http://schemas.microsoft.com/office/drawing/2014/main" val="990677940"/>
+                    </a:ext>
+                  </a:extLst>
+                </a:gridCol>
+              </a:tblGrid>
+              <a:tr h="370840">
+                <a:tc>
+                  <a:txBody>
+                    <a:bodyPr/>
+                    <a:lstStyle/>
+                    <a:p>
+                      <a:pPr marL="0" marR="0" lvl="0" indent="0" algn="l" defTabSz="914400" rtl="0" eaLnBrk="1" fontAlgn="auto" latinLnBrk="0" hangingPunct="1">
+                        <a:lnSpc>
+                          <a:spcPct val="100000"/>
+                        </a:lnSpc>
+                        <a:spcBef>
+                          <a:spcPts val="0"/>
+                        </a:spcBef>
+                        <a:spcAft>
+                          <a:spcPts val="0"/>
+                        </a:spcAft>
+                        <a:buClrTx/>
+                        <a:buSzTx/>
+                        <a:buFontTx/>
+                        <a:buNone/>
+                        <a:tabLst/>
+                        <a:defRPr/>
+                      </a:pPr>
+                      <a:r>
+                        <a:rPr lang="en-US" altLang="zh-TW" sz="1800" b="0" kern="1200" dirty="0">
+                          <a:solidFill>
+                            <a:schemeClr val="tx1"/>
+                          </a:solidFill>
+                          <a:effectLst/>
+                          <a:latin typeface="+mn-lt"/>
+                          <a:ea typeface="+mn-ea"/>
+                          <a:cs typeface="+mn-cs"/>
+                        </a:rPr>
+                        <a:t>Time</a:t>
+                      </a:r>
+                      <a:r>
+                        <a:rPr lang="zh-TW" altLang="en-US" sz="1800" b="0" kern="1200" dirty="0">
+                          <a:solidFill>
+                            <a:schemeClr val="tx1"/>
+                          </a:solidFill>
+                          <a:effectLst/>
+                          <a:latin typeface="+mn-lt"/>
+                          <a:ea typeface="+mn-ea"/>
+                          <a:cs typeface="+mn-cs"/>
+                        </a:rPr>
+                        <a:t>浮點數轉換</a:t>
+                      </a:r>
+                      <a:endParaRPr lang="en-US" altLang="zh-TW" sz="1800" b="0" kern="1200" dirty="0">
+                        <a:solidFill>
+                          <a:schemeClr val="tx1"/>
+                        </a:solidFill>
+                        <a:effectLst/>
+                        <a:latin typeface="+mn-lt"/>
+                        <a:ea typeface="+mn-ea"/>
+                        <a:cs typeface="+mn-cs"/>
+                      </a:endParaRPr>
+                    </a:p>
+                  </a:txBody>
+                  <a:tcPr/>
+                </a:tc>
+                <a:tc>
+                  <a:txBody>
+                    <a:bodyPr/>
+                    <a:lstStyle/>
+                    <a:p>
+                      <a:r>
+                        <a:rPr lang="en-US" altLang="zh-TW" dirty="0"/>
+                        <a:t>3</a:t>
+                      </a:r>
+                      <a:endParaRPr lang="zh-TW" altLang="en-US" dirty="0"/>
+                    </a:p>
+                  </a:txBody>
+                  <a:tcPr/>
+                </a:tc>
+                <a:tc>
+                  <a:txBody>
+                    <a:bodyPr/>
+                    <a:lstStyle/>
+                    <a:p>
+                      <a:pPr marL="0" marR="0" lvl="0" indent="0" algn="l" defTabSz="914400" rtl="0" eaLnBrk="1" fontAlgn="auto" latinLnBrk="0" hangingPunct="1">
+                        <a:lnSpc>
+                          <a:spcPct val="100000"/>
+                        </a:lnSpc>
+                        <a:spcBef>
+                          <a:spcPts val="0"/>
+                        </a:spcBef>
+                        <a:spcAft>
+                          <a:spcPts val="0"/>
+                        </a:spcAft>
+                        <a:buClrTx/>
+                        <a:buSzTx/>
+                        <a:buFontTx/>
+                        <a:buNone/>
+                        <a:tabLst/>
+                        <a:defRPr/>
+                      </a:pPr>
+                      <a:r>
+                        <a:rPr lang="en-US" altLang="zh-TW" sz="900" b="0" kern="1200" dirty="0">
+                          <a:solidFill>
+                            <a:schemeClr val="tx1"/>
+                          </a:solidFill>
+                          <a:effectLst/>
+                          <a:latin typeface="+mn-lt"/>
+                          <a:ea typeface="+mn-ea"/>
+                          <a:cs typeface="+mn-cs"/>
+                        </a:rPr>
+                        <a:t>(float)IORD(VARSET_BASE, </a:t>
+                      </a:r>
+                      <a:r>
+                        <a:rPr lang="en-US" altLang="zh-TW" sz="900" b="0" kern="1200" dirty="0" err="1">
+                          <a:solidFill>
+                            <a:schemeClr val="tx1"/>
+                          </a:solidFill>
+                          <a:effectLst/>
+                          <a:latin typeface="+mn-lt"/>
+                          <a:ea typeface="+mn-ea"/>
+                          <a:cs typeface="+mn-cs"/>
+                        </a:rPr>
+                        <a:t>i_var_timer</a:t>
+                      </a:r>
+                      <a:r>
+                        <a:rPr lang="en-US" altLang="zh-TW" sz="900" b="0" kern="1200" dirty="0">
+                          <a:solidFill>
+                            <a:schemeClr val="tx1"/>
+                          </a:solidFill>
+                          <a:effectLst/>
+                          <a:latin typeface="+mn-lt"/>
+                          <a:ea typeface="+mn-ea"/>
+                          <a:cs typeface="+mn-cs"/>
+                        </a:rPr>
+                        <a:t>) * COE_TIMER;</a:t>
+                      </a:r>
+                    </a:p>
+                    <a:p>
+                      <a:endParaRPr lang="zh-TW" altLang="en-US" sz="900" dirty="0"/>
+                    </a:p>
+                  </a:txBody>
+                  <a:tcPr/>
+                </a:tc>
+                <a:extLst>
+                  <a:ext uri="{0D108BD9-81ED-4DB2-BD59-A6C34878D82A}">
+                    <a16:rowId xmlns:a16="http://schemas.microsoft.com/office/drawing/2014/main" val="1474779813"/>
+                  </a:ext>
+                </a:extLst>
+              </a:tr>
+              <a:tr h="370840">
+                <a:tc>
+                  <a:txBody>
+                    <a:bodyPr/>
+                    <a:lstStyle/>
+                    <a:p>
+                      <a:r>
+                        <a:rPr lang="zh-TW" altLang="en-US" dirty="0"/>
+                        <a:t>讀</a:t>
+                      </a:r>
+                      <a:r>
+                        <a:rPr lang="en-US" altLang="zh-TW" dirty="0"/>
+                        <a:t>fog err </a:t>
+                      </a:r>
+                      <a:r>
+                        <a:rPr lang="zh-TW" altLang="en-US" dirty="0"/>
+                        <a:t>與 </a:t>
+                      </a:r>
+                      <a:r>
+                        <a:rPr lang="en-US" altLang="zh-TW" dirty="0"/>
+                        <a:t>step</a:t>
+                      </a:r>
+                      <a:r>
+                        <a:rPr lang="zh-TW" altLang="en-US" dirty="0"/>
+                        <a:t>轉浮點數</a:t>
+                      </a:r>
+                    </a:p>
+                  </a:txBody>
+                  <a:tcPr/>
+                </a:tc>
+                <a:tc>
+                  <a:txBody>
+                    <a:bodyPr/>
+                    <a:lstStyle/>
+                    <a:p>
+                      <a:r>
+                        <a:rPr lang="en-US" altLang="zh-TW" dirty="0"/>
+                        <a:t>1*3</a:t>
+                      </a:r>
+                      <a:endParaRPr lang="zh-TW" altLang="en-US" dirty="0"/>
+                    </a:p>
+                  </a:txBody>
+                  <a:tcPr/>
+                </a:tc>
+                <a:tc>
+                  <a:txBody>
+                    <a:bodyPr/>
+                    <a:lstStyle/>
+                    <a:p>
+                      <a:r>
+                        <a:rPr lang="en-US" altLang="zh-TW" sz="900" dirty="0"/>
+                        <a:t> data-&gt;</a:t>
+                      </a:r>
+                      <a:r>
+                        <a:rPr lang="en-US" altLang="zh-TW" sz="900" dirty="0" err="1"/>
+                        <a:t>fog.fogx.err.int_val</a:t>
+                      </a:r>
+                      <a:r>
+                        <a:rPr lang="en-US" altLang="zh-TW" sz="900" dirty="0"/>
+                        <a:t> = IORD(VARSET_BASE, i_var_err_3);</a:t>
+                      </a:r>
+                    </a:p>
+                    <a:p>
+                      <a:r>
+                        <a:rPr lang="en-US" altLang="zh-TW" sz="900" dirty="0"/>
+                        <a:t>    data-&gt;</a:t>
+                      </a:r>
+                      <a:r>
+                        <a:rPr lang="en-US" altLang="zh-TW" sz="900" dirty="0" err="1"/>
+                        <a:t>fog.fogx.step.float_val</a:t>
+                      </a:r>
+                      <a:r>
+                        <a:rPr lang="en-US" altLang="zh-TW" sz="900" dirty="0"/>
+                        <a:t> = </a:t>
+                      </a:r>
+                      <a:r>
+                        <a:rPr lang="en-US" altLang="zh-TW" sz="900" dirty="0" err="1"/>
+                        <a:t>moving_average_update</a:t>
+                      </a:r>
+                      <a:r>
+                        <a:rPr lang="en-US" altLang="zh-TW" sz="900" dirty="0"/>
+                        <a:t>(&amp;</a:t>
+                      </a:r>
+                      <a:r>
+                        <a:rPr lang="en-US" altLang="zh-TW" sz="900" dirty="0" err="1"/>
+                        <a:t>mz_x</a:t>
+                      </a:r>
+                      <a:r>
+                        <a:rPr lang="en-US" altLang="zh-TW" sz="900" dirty="0"/>
+                        <a:t>, (float)IORD(VARSET_BASE, i_var_step_3));</a:t>
+                      </a:r>
+                      <a:endParaRPr lang="zh-TW" altLang="en-US" sz="900" dirty="0"/>
+                    </a:p>
+                  </a:txBody>
+                  <a:tcPr/>
+                </a:tc>
+                <a:extLst>
+                  <a:ext uri="{0D108BD9-81ED-4DB2-BD59-A6C34878D82A}">
+                    <a16:rowId xmlns:a16="http://schemas.microsoft.com/office/drawing/2014/main" val="1353130598"/>
+                  </a:ext>
+                </a:extLst>
+              </a:tr>
+              <a:tr h="370840">
+                <a:tc>
+                  <a:txBody>
+                    <a:bodyPr/>
+                    <a:lstStyle/>
+                    <a:p>
+                      <a:r>
+                        <a:rPr lang="zh-TW" altLang="en-US" dirty="0"/>
+                        <a:t>讀三軸</a:t>
+                      </a:r>
+                      <a:r>
+                        <a:rPr lang="en-US" altLang="zh-TW" dirty="0"/>
+                        <a:t>fog</a:t>
+                      </a:r>
+                      <a:r>
+                        <a:rPr lang="zh-TW" altLang="en-US" dirty="0"/>
+                        <a:t>溫度值</a:t>
+                      </a:r>
+                    </a:p>
+                  </a:txBody>
+                  <a:tcPr/>
+                </a:tc>
+                <a:tc>
+                  <a:txBody>
+                    <a:bodyPr/>
+                    <a:lstStyle/>
+                    <a:p>
+                      <a:r>
+                        <a:rPr lang="en-US" altLang="zh-TW" dirty="0"/>
+                        <a:t>2</a:t>
+                      </a:r>
+                      <a:endParaRPr lang="zh-TW" altLang="en-US" dirty="0"/>
+                    </a:p>
+                  </a:txBody>
+                  <a:tcPr/>
+                </a:tc>
+                <a:tc>
+                  <a:txBody>
+                    <a:bodyPr/>
+                    <a:lstStyle/>
+                    <a:p>
+                      <a:endParaRPr lang="zh-TW" altLang="en-US" sz="900"/>
+                    </a:p>
+                  </a:txBody>
+                  <a:tcPr/>
+                </a:tc>
+                <a:extLst>
+                  <a:ext uri="{0D108BD9-81ED-4DB2-BD59-A6C34878D82A}">
+                    <a16:rowId xmlns:a16="http://schemas.microsoft.com/office/drawing/2014/main" val="3756658266"/>
+                  </a:ext>
+                </a:extLst>
+              </a:tr>
+              <a:tr h="370840">
+                <a:tc>
+                  <a:txBody>
+                    <a:bodyPr/>
+                    <a:lstStyle/>
+                    <a:p>
+                      <a:pPr marL="0" marR="0" lvl="0" indent="0" algn="l" defTabSz="914400" rtl="0" eaLnBrk="1" fontAlgn="auto" latinLnBrk="0" hangingPunct="1">
+                        <a:lnSpc>
+                          <a:spcPct val="100000"/>
+                        </a:lnSpc>
+                        <a:spcBef>
+                          <a:spcPts val="0"/>
+                        </a:spcBef>
+                        <a:spcAft>
+                          <a:spcPts val="0"/>
+                        </a:spcAft>
+                        <a:buClrTx/>
+                        <a:buSzTx/>
+                        <a:buFontTx/>
+                        <a:buNone/>
+                        <a:tabLst/>
+                        <a:defRPr/>
+                      </a:pPr>
+                      <a:r>
+                        <a:rPr lang="zh-TW" altLang="en-US" dirty="0"/>
+                        <a:t>讀三軸</a:t>
+                      </a:r>
+                      <a:r>
+                        <a:rPr lang="en-US" altLang="zh-TW" dirty="0"/>
+                        <a:t>acc</a:t>
+                      </a:r>
+                      <a:r>
+                        <a:rPr lang="zh-TW" altLang="en-US" dirty="0"/>
+                        <a:t>值</a:t>
+                      </a:r>
+                    </a:p>
+                  </a:txBody>
+                  <a:tcPr/>
+                </a:tc>
+                <a:tc>
+                  <a:txBody>
+                    <a:bodyPr/>
+                    <a:lstStyle/>
+                    <a:p>
+                      <a:r>
+                        <a:rPr lang="en-US" altLang="zh-TW" dirty="0"/>
+                        <a:t>2</a:t>
+                      </a:r>
+                      <a:endParaRPr lang="zh-TW" altLang="en-US" dirty="0"/>
+                    </a:p>
+                  </a:txBody>
+                  <a:tcPr/>
+                </a:tc>
+                <a:tc>
+                  <a:txBody>
+                    <a:bodyPr/>
+                    <a:lstStyle/>
+                    <a:p>
+                      <a:endParaRPr lang="zh-TW" altLang="en-US" sz="900" dirty="0"/>
+                    </a:p>
+                  </a:txBody>
+                  <a:tcPr/>
+                </a:tc>
+                <a:extLst>
+                  <a:ext uri="{0D108BD9-81ED-4DB2-BD59-A6C34878D82A}">
+                    <a16:rowId xmlns:a16="http://schemas.microsoft.com/office/drawing/2014/main" val="1983225309"/>
+                  </a:ext>
+                </a:extLst>
+              </a:tr>
+              <a:tr h="370840">
+                <a:tc>
+                  <a:txBody>
+                    <a:bodyPr/>
+                    <a:lstStyle/>
+                    <a:p>
+                      <a:pPr marL="0" marR="0" lvl="0" indent="0" algn="l" defTabSz="914400" rtl="0" eaLnBrk="1" fontAlgn="auto" latinLnBrk="0" hangingPunct="1">
+                        <a:lnSpc>
+                          <a:spcPct val="100000"/>
+                        </a:lnSpc>
+                        <a:spcBef>
+                          <a:spcPts val="0"/>
+                        </a:spcBef>
+                        <a:spcAft>
+                          <a:spcPts val="0"/>
+                        </a:spcAft>
+                        <a:buClrTx/>
+                        <a:buSzTx/>
+                        <a:buFontTx/>
+                        <a:buNone/>
+                        <a:tabLst/>
+                        <a:defRPr/>
+                      </a:pPr>
+                      <a:r>
+                        <a:rPr lang="zh-TW" altLang="en-US" dirty="0"/>
+                        <a:t>讀</a:t>
+                      </a:r>
+                      <a:r>
+                        <a:rPr lang="en-US" altLang="zh-TW" dirty="0"/>
+                        <a:t>acc</a:t>
+                      </a:r>
+                      <a:r>
+                        <a:rPr lang="zh-TW" altLang="en-US" dirty="0"/>
+                        <a:t>溫度</a:t>
+                      </a:r>
+                    </a:p>
+                  </a:txBody>
+                  <a:tcPr/>
+                </a:tc>
+                <a:tc>
+                  <a:txBody>
+                    <a:bodyPr/>
+                    <a:lstStyle/>
+                    <a:p>
+                      <a:r>
+                        <a:rPr lang="en-US" altLang="zh-TW" dirty="0"/>
+                        <a:t>1</a:t>
+                      </a:r>
+                      <a:endParaRPr lang="zh-TW" altLang="en-US" dirty="0"/>
+                    </a:p>
+                  </a:txBody>
+                  <a:tcPr/>
+                </a:tc>
+                <a:tc>
+                  <a:txBody>
+                    <a:bodyPr/>
+                    <a:lstStyle/>
+                    <a:p>
+                      <a:endParaRPr lang="zh-TW" altLang="en-US" sz="900" dirty="0"/>
+                    </a:p>
+                  </a:txBody>
+                  <a:tcPr/>
+                </a:tc>
+                <a:extLst>
+                  <a:ext uri="{0D108BD9-81ED-4DB2-BD59-A6C34878D82A}">
+                    <a16:rowId xmlns:a16="http://schemas.microsoft.com/office/drawing/2014/main" val="2435598404"/>
+                  </a:ext>
+                </a:extLst>
+              </a:tr>
+              <a:tr h="370840">
+                <a:tc>
+                  <a:txBody>
+                    <a:bodyPr/>
+                    <a:lstStyle/>
+                    <a:p>
+                      <a:pPr marL="0" marR="0" lvl="0" indent="0" algn="l" defTabSz="914400" rtl="0" eaLnBrk="1" fontAlgn="auto" latinLnBrk="0" hangingPunct="1">
+                        <a:lnSpc>
+                          <a:spcPct val="100000"/>
+                        </a:lnSpc>
+                        <a:spcBef>
+                          <a:spcPts val="0"/>
+                        </a:spcBef>
+                        <a:spcAft>
+                          <a:spcPts val="0"/>
+                        </a:spcAft>
+                        <a:buClrTx/>
+                        <a:buSzTx/>
+                        <a:buFontTx/>
+                        <a:buNone/>
+                        <a:tabLst/>
+                        <a:defRPr/>
+                      </a:pPr>
+                      <a:r>
+                        <a:rPr lang="zh-TW" altLang="en-US" dirty="0"/>
+                        <a:t>執行</a:t>
+                      </a:r>
+                      <a:r>
+                        <a:rPr lang="en-US" altLang="zh-TW" dirty="0" err="1"/>
+                        <a:t>fn</a:t>
+                      </a:r>
+                      <a:r>
+                        <a:rPr lang="en-US" altLang="zh-TW" dirty="0"/>
+                        <a:t> = fog</a:t>
+                      </a:r>
+                      <a:endParaRPr lang="zh-TW" altLang="en-US" dirty="0"/>
+                    </a:p>
+                  </a:txBody>
+                  <a:tcPr/>
+                </a:tc>
+                <a:tc>
+                  <a:txBody>
+                    <a:bodyPr/>
+                    <a:lstStyle/>
+                    <a:p>
+                      <a:r>
+                        <a:rPr lang="en-US" altLang="zh-TW" dirty="0"/>
+                        <a:t>29</a:t>
+                      </a:r>
+                      <a:endParaRPr lang="zh-TW" altLang="en-US" dirty="0"/>
+                    </a:p>
+                  </a:txBody>
+                  <a:tcPr/>
+                </a:tc>
+                <a:tc>
+                  <a:txBody>
+                    <a:bodyPr/>
+                    <a:lstStyle/>
+                    <a:p>
+                      <a:endParaRPr lang="zh-TW" altLang="en-US" sz="900" dirty="0"/>
+                    </a:p>
+                  </a:txBody>
+                  <a:tcPr/>
+                </a:tc>
+                <a:extLst>
+                  <a:ext uri="{0D108BD9-81ED-4DB2-BD59-A6C34878D82A}">
+                    <a16:rowId xmlns:a16="http://schemas.microsoft.com/office/drawing/2014/main" val="2737955572"/>
+                  </a:ext>
+                </a:extLst>
+              </a:tr>
+              <a:tr h="370840">
+                <a:tc>
+                  <a:txBody>
+                    <a:bodyPr/>
+                    <a:lstStyle/>
+                    <a:p>
+                      <a:pPr marL="0" marR="0" lvl="0" indent="0" algn="l" defTabSz="914400" rtl="0" eaLnBrk="1" fontAlgn="auto" latinLnBrk="0" hangingPunct="1">
+                        <a:lnSpc>
+                          <a:spcPct val="100000"/>
+                        </a:lnSpc>
+                        <a:spcBef>
+                          <a:spcPts val="0"/>
+                        </a:spcBef>
+                        <a:spcAft>
+                          <a:spcPts val="0"/>
+                        </a:spcAft>
+                        <a:buClrTx/>
+                        <a:buSzTx/>
+                        <a:buFontTx/>
+                        <a:buNone/>
+                        <a:tabLst/>
+                        <a:defRPr/>
+                      </a:pPr>
+                      <a:r>
+                        <a:rPr lang="zh-TW" altLang="en-US" dirty="0"/>
+                        <a:t>執行</a:t>
+                      </a:r>
+                      <a:r>
+                        <a:rPr lang="en-US" altLang="zh-TW" dirty="0" err="1"/>
+                        <a:t>fn</a:t>
+                      </a:r>
+                      <a:r>
+                        <a:rPr lang="en-US" altLang="zh-TW" dirty="0"/>
+                        <a:t> = imu</a:t>
+                      </a:r>
+                      <a:endParaRPr lang="zh-TW" altLang="en-US" dirty="0"/>
+                    </a:p>
+                  </a:txBody>
+                  <a:tcPr/>
+                </a:tc>
+                <a:tc>
+                  <a:txBody>
+                    <a:bodyPr/>
+                    <a:lstStyle/>
+                    <a:p>
+                      <a:r>
+                        <a:rPr lang="en-US" altLang="zh-TW" dirty="0"/>
+                        <a:t>98</a:t>
+                      </a:r>
+                      <a:endParaRPr lang="zh-TW" altLang="en-US" dirty="0"/>
+                    </a:p>
+                  </a:txBody>
+                  <a:tcPr/>
+                </a:tc>
+                <a:tc>
+                  <a:txBody>
+                    <a:bodyPr/>
+                    <a:lstStyle/>
+                    <a:p>
+                      <a:endParaRPr lang="zh-TW" altLang="en-US" sz="900" dirty="0"/>
+                    </a:p>
+                  </a:txBody>
+                  <a:tcPr/>
+                </a:tc>
+                <a:extLst>
+                  <a:ext uri="{0D108BD9-81ED-4DB2-BD59-A6C34878D82A}">
+                    <a16:rowId xmlns:a16="http://schemas.microsoft.com/office/drawing/2014/main" val="3234130450"/>
+                  </a:ext>
+                </a:extLst>
+              </a:tr>
+            </a:tbl>
+          </a:graphicData>
+        </a:graphic>
+      </p:graphicFrame>
+    </p:spTree>
+    <p:extLst>
+      <p:ext uri="{BB962C8B-B14F-4D97-AF65-F5344CB8AC3E}">
+        <p14:creationId xmlns:p14="http://schemas.microsoft.com/office/powerpoint/2010/main" val="1899040897"/>
+      </p:ext>
+    </p:extLst>
+  </p:cSld>
+  <p:clrMapOvr>
+    <a:masterClrMapping/>
+  </p:clrMapOvr>
+</p:sld>
+</file>
+
+<file path=ppt/slides/slide7.xml><?xml version="1.0" encoding="utf-8"?>
+<p:sld xmlns:a="http://schemas.openxmlformats.org/drawingml/2006/main" xmlns:r="http://schemas.openxmlformats.org/officeDocument/2006/relationships" xmlns:p="http://schemas.openxmlformats.org/presentationml/2006/main">
+  <p:cSld>
+    <p:spTree>
+      <p:nvGrpSpPr>
+        <p:cNvPr id="1" name="">
+          <a:extLst>
+            <a:ext uri="{FF2B5EF4-FFF2-40B4-BE49-F238E27FC236}">
+              <a16:creationId xmlns:a16="http://schemas.microsoft.com/office/drawing/2014/main" id="{08E0220D-09A9-5628-D3A5-49FBF406042F}"/>
+            </a:ext>
+          </a:extLst>
+        </p:cNvPr>
+        <p:cNvGrpSpPr/>
+        <p:nvPr/>
+      </p:nvGrpSpPr>
+      <p:grpSpPr>
+        <a:xfrm>
+          <a:off x="0" y="0"/>
+          <a:ext cx="0" cy="0"/>
+          <a:chOff x="0" y="0"/>
+          <a:chExt cx="0" cy="0"/>
+        </a:xfrm>
+      </p:grpSpPr>
+      <p:graphicFrame>
+        <p:nvGraphicFramePr>
+          <p:cNvPr id="2" name="表格 1">
+            <a:extLst>
+              <a:ext uri="{FF2B5EF4-FFF2-40B4-BE49-F238E27FC236}">
+                <a16:creationId xmlns:a16="http://schemas.microsoft.com/office/drawing/2014/main" id="{A7CEEFED-614F-BA33-9E9F-A39B09811D75}"/>
+              </a:ext>
+            </a:extLst>
+          </p:cNvPr>
+          <p:cNvGraphicFramePr>
+            <a:graphicFrameLocks noGrp="1"/>
+          </p:cNvGraphicFramePr>
+          <p:nvPr>
+            <p:extLst>
+              <p:ext uri="{D42A27DB-BD31-4B8C-83A1-F6EECF244321}">
+                <p14:modId xmlns:p14="http://schemas.microsoft.com/office/powerpoint/2010/main" val="651833924"/>
+              </p:ext>
+            </p:extLst>
+          </p:nvPr>
+        </p:nvGraphicFramePr>
+        <p:xfrm>
+          <a:off x="546715" y="737171"/>
+          <a:ext cx="11473579" cy="4790440"/>
+        </p:xfrm>
+        <a:graphic>
+          <a:graphicData uri="http://schemas.openxmlformats.org/drawingml/2006/table">
+            <a:tbl>
+              <a:tblPr firstRow="1" bandRow="1">
+                <a:tableStyleId>{5940675A-B579-460E-94D1-54222C63F5DA}</a:tableStyleId>
+              </a:tblPr>
+              <a:tblGrid>
+                <a:gridCol w="2874391">
+                  <a:extLst>
+                    <a:ext uri="{9D8B030D-6E8A-4147-A177-3AD203B41FA5}">
+                      <a16:colId xmlns:a16="http://schemas.microsoft.com/office/drawing/2014/main" val="2694532458"/>
+                    </a:ext>
+                  </a:extLst>
+                </a:gridCol>
+                <a:gridCol w="2709333">
+                  <a:extLst>
+                    <a:ext uri="{9D8B030D-6E8A-4147-A177-3AD203B41FA5}">
+                      <a16:colId xmlns:a16="http://schemas.microsoft.com/office/drawing/2014/main" val="1963943372"/>
+                    </a:ext>
+                  </a:extLst>
+                </a:gridCol>
+                <a:gridCol w="5889855">
+                  <a:extLst>
+                    <a:ext uri="{9D8B030D-6E8A-4147-A177-3AD203B41FA5}">
+                      <a16:colId xmlns:a16="http://schemas.microsoft.com/office/drawing/2014/main" val="990677940"/>
+                    </a:ext>
+                  </a:extLst>
+                </a:gridCol>
+              </a:tblGrid>
+              <a:tr h="370840">
+                <a:tc>
+                  <a:txBody>
+                    <a:bodyPr/>
+                    <a:lstStyle/>
+                    <a:p>
+                      <a:pPr marL="0" marR="0" lvl="0" indent="0" algn="l" defTabSz="914400" rtl="0" eaLnBrk="1" fontAlgn="auto" latinLnBrk="0" hangingPunct="1">
+                        <a:lnSpc>
+                          <a:spcPct val="100000"/>
+                        </a:lnSpc>
+                        <a:spcBef>
+                          <a:spcPts val="0"/>
+                        </a:spcBef>
+                        <a:spcAft>
+                          <a:spcPts val="0"/>
+                        </a:spcAft>
+                        <a:buClrTx/>
+                        <a:buSzTx/>
+                        <a:buFontTx/>
+                        <a:buNone/>
+                        <a:tabLst/>
+                        <a:defRPr/>
+                      </a:pPr>
+                      <a:r>
+                        <a:rPr lang="en-US" altLang="zh-TW" sz="1800" b="0" kern="1200" dirty="0">
+                          <a:solidFill>
+                            <a:schemeClr val="tx1"/>
+                          </a:solidFill>
+                          <a:effectLst/>
+                          <a:latin typeface="+mn-lt"/>
+                          <a:ea typeface="+mn-ea"/>
+                          <a:cs typeface="+mn-cs"/>
+                        </a:rPr>
+                        <a:t>Update sensor</a:t>
+                      </a:r>
+                    </a:p>
+                  </a:txBody>
+                  <a:tcPr/>
+                </a:tc>
+                <a:tc>
+                  <a:txBody>
+                    <a:bodyPr/>
+                    <a:lstStyle/>
+                    <a:p>
+                      <a:r>
+                        <a:rPr lang="en-US" altLang="zh-TW" dirty="0"/>
+                        <a:t>11</a:t>
+                      </a:r>
+                      <a:endParaRPr lang="zh-TW" altLang="en-US" dirty="0"/>
+                    </a:p>
+                  </a:txBody>
+                  <a:tcPr/>
+                </a:tc>
+                <a:tc>
+                  <a:txBody>
+                    <a:bodyPr/>
+                    <a:lstStyle/>
+                    <a:p>
+                      <a:endParaRPr lang="zh-TW" altLang="en-US" sz="1200" kern="1200" dirty="0">
+                        <a:solidFill>
+                          <a:schemeClr val="tx1"/>
+                        </a:solidFill>
+                        <a:latin typeface="+mn-lt"/>
+                        <a:ea typeface="+mn-ea"/>
+                        <a:cs typeface="+mn-cs"/>
+                      </a:endParaRPr>
+                    </a:p>
+                  </a:txBody>
+                  <a:tcPr/>
+                </a:tc>
+                <a:extLst>
+                  <a:ext uri="{0D108BD9-81ED-4DB2-BD59-A6C34878D82A}">
+                    <a16:rowId xmlns:a16="http://schemas.microsoft.com/office/drawing/2014/main" val="1474779813"/>
+                  </a:ext>
+                </a:extLst>
+              </a:tr>
+              <a:tr h="370840">
+                <a:tc>
+                  <a:txBody>
+                    <a:bodyPr/>
+                    <a:lstStyle/>
+                    <a:p>
+                      <a:r>
+                        <a:rPr lang="zh-TW" altLang="en-US" dirty="0"/>
+                        <a:t>進入</a:t>
+                      </a:r>
+                      <a:r>
+                        <a:rPr lang="en-US" altLang="zh-TW" dirty="0" err="1"/>
+                        <a:t>fn</a:t>
+                      </a:r>
+                      <a:endParaRPr lang="en-US" altLang="zh-TW" dirty="0"/>
+                    </a:p>
+                  </a:txBody>
+                  <a:tcPr/>
+                </a:tc>
+                <a:tc>
+                  <a:txBody>
+                    <a:bodyPr/>
+                    <a:lstStyle/>
+                    <a:p>
+                      <a:r>
+                        <a:rPr lang="en-US" altLang="zh-TW" dirty="0"/>
+                        <a:t>4</a:t>
+                      </a:r>
+                      <a:endParaRPr lang="zh-TW" altLang="en-US" dirty="0"/>
+                    </a:p>
+                  </a:txBody>
+                  <a:tcPr/>
+                </a:tc>
+                <a:tc>
+                  <a:txBody>
+                    <a:bodyPr/>
+                    <a:lstStyle/>
+                    <a:p>
+                      <a:endParaRPr lang="en-US" altLang="zh-TW" sz="1200" kern="1200" dirty="0">
+                        <a:solidFill>
+                          <a:schemeClr val="tx1"/>
+                        </a:solidFill>
+                        <a:latin typeface="+mn-lt"/>
+                        <a:ea typeface="+mn-ea"/>
+                        <a:cs typeface="+mn-cs"/>
+                      </a:endParaRPr>
+                    </a:p>
+                  </a:txBody>
+                  <a:tcPr/>
+                </a:tc>
+                <a:extLst>
+                  <a:ext uri="{0D108BD9-81ED-4DB2-BD59-A6C34878D82A}">
+                    <a16:rowId xmlns:a16="http://schemas.microsoft.com/office/drawing/2014/main" val="1353130598"/>
+                  </a:ext>
+                </a:extLst>
+              </a:tr>
+              <a:tr h="370840">
+                <a:tc>
+                  <a:txBody>
+                    <a:bodyPr/>
+                    <a:lstStyle/>
+                    <a:p>
+                      <a:r>
+                        <a:rPr lang="zh-TW" altLang="en-US" dirty="0"/>
+                        <a:t>計算</a:t>
+                      </a:r>
+                      <a:r>
+                        <a:rPr lang="en-US" altLang="zh-TW" dirty="0"/>
+                        <a:t>3</a:t>
+                      </a:r>
+                      <a:r>
+                        <a:rPr lang="zh-TW" altLang="en-US" dirty="0"/>
+                        <a:t>軸</a:t>
+                      </a:r>
+                      <a:r>
+                        <a:rPr lang="en-US" altLang="zh-TW" dirty="0"/>
+                        <a:t>gyro sf </a:t>
+                      </a:r>
+                      <a:r>
+                        <a:rPr lang="zh-TW" altLang="en-US" dirty="0"/>
+                        <a:t>溫度校正</a:t>
+                      </a:r>
+                    </a:p>
+                  </a:txBody>
+                  <a:tcPr/>
+                </a:tc>
+                <a:tc>
+                  <a:txBody>
+                    <a:bodyPr/>
+                    <a:lstStyle/>
+                    <a:p>
+                      <a:r>
+                        <a:rPr lang="en-US" altLang="zh-TW" dirty="0"/>
+                        <a:t>13</a:t>
+                      </a:r>
+                      <a:endParaRPr lang="zh-TW" altLang="en-US" dirty="0"/>
+                    </a:p>
+                  </a:txBody>
+                  <a:tcPr/>
+                </a:tc>
+                <a:tc>
+                  <a:txBody>
+                    <a:bodyPr/>
+                    <a:lstStyle/>
+                    <a:p>
+                      <a:pPr marL="0" marR="0" lvl="0" indent="0" algn="l" defTabSz="914400" rtl="0" eaLnBrk="1" fontAlgn="auto" latinLnBrk="0" hangingPunct="1">
+                        <a:lnSpc>
+                          <a:spcPct val="100000"/>
+                        </a:lnSpc>
+                        <a:spcBef>
+                          <a:spcPts val="0"/>
+                        </a:spcBef>
+                        <a:spcAft>
+                          <a:spcPts val="0"/>
+                        </a:spcAft>
+                        <a:buClrTx/>
+                        <a:buSzTx/>
+                        <a:buFontTx/>
+                        <a:buNone/>
+                        <a:tabLst/>
+                        <a:defRPr/>
+                      </a:pPr>
+                      <a:r>
+                        <a:rPr lang="en-US" altLang="zh-TW" sz="1200" kern="1200" dirty="0">
+                          <a:solidFill>
+                            <a:schemeClr val="tx1"/>
+                          </a:solidFill>
+                          <a:latin typeface="+mn-lt"/>
+                          <a:ea typeface="+mn-ea"/>
+                          <a:cs typeface="+mn-cs"/>
+                        </a:rPr>
+                        <a:t>SF_temp_compensation_1st_order_fog(data, </a:t>
+                      </a:r>
+                      <a:r>
+                        <a:rPr lang="en-US" altLang="zh-TW" sz="1200" kern="1200" dirty="0" err="1">
+                          <a:solidFill>
+                            <a:schemeClr val="tx1"/>
+                          </a:solidFill>
+                          <a:latin typeface="+mn-lt"/>
+                          <a:ea typeface="+mn-ea"/>
+                          <a:cs typeface="+mn-cs"/>
+                        </a:rPr>
+                        <a:t>fog_parameter</a:t>
+                      </a:r>
+                      <a:r>
+                        <a:rPr lang="en-US" altLang="zh-TW" sz="1200" kern="1200" dirty="0">
+                          <a:solidFill>
+                            <a:schemeClr val="tx1"/>
+                          </a:solidFill>
+                          <a:latin typeface="+mn-lt"/>
+                          <a:ea typeface="+mn-ea"/>
+                          <a:cs typeface="+mn-cs"/>
+                        </a:rPr>
+                        <a:t>, X_AXIS)</a:t>
+                      </a:r>
+                      <a:endParaRPr lang="zh-TW" altLang="en-US" sz="1200" kern="1200" dirty="0">
+                        <a:solidFill>
+                          <a:schemeClr val="tx1"/>
+                        </a:solidFill>
+                        <a:latin typeface="+mn-lt"/>
+                        <a:ea typeface="+mn-ea"/>
+                        <a:cs typeface="+mn-cs"/>
+                      </a:endParaRPr>
+                    </a:p>
+                    <a:p>
+                      <a:endParaRPr lang="zh-TW" altLang="en-US" sz="1200" kern="1200" dirty="0">
+                        <a:solidFill>
+                          <a:schemeClr val="tx1"/>
+                        </a:solidFill>
+                        <a:latin typeface="+mn-lt"/>
+                        <a:ea typeface="+mn-ea"/>
+                        <a:cs typeface="+mn-cs"/>
+                      </a:endParaRPr>
+                    </a:p>
+                  </a:txBody>
+                  <a:tcPr/>
+                </a:tc>
+                <a:extLst>
+                  <a:ext uri="{0D108BD9-81ED-4DB2-BD59-A6C34878D82A}">
+                    <a16:rowId xmlns:a16="http://schemas.microsoft.com/office/drawing/2014/main" val="3756658266"/>
+                  </a:ext>
+                </a:extLst>
+              </a:tr>
+              <a:tr h="370840">
+                <a:tc>
+                  <a:txBody>
+                    <a:bodyPr/>
+                    <a:lstStyle/>
+                    <a:p>
+                      <a:pPr marL="0" marR="0" lvl="0" indent="0" algn="l" defTabSz="914400" rtl="0" eaLnBrk="1" fontAlgn="auto" latinLnBrk="0" hangingPunct="1">
+                        <a:lnSpc>
+                          <a:spcPct val="100000"/>
+                        </a:lnSpc>
+                        <a:spcBef>
+                          <a:spcPts val="0"/>
+                        </a:spcBef>
+                        <a:spcAft>
+                          <a:spcPts val="0"/>
+                        </a:spcAft>
+                        <a:buClrTx/>
+                        <a:buSzTx/>
+                        <a:buFontTx/>
+                        <a:buNone/>
+                        <a:tabLst/>
+                        <a:defRPr/>
+                      </a:pPr>
+                      <a:r>
+                        <a:rPr lang="zh-TW" altLang="en-US" dirty="0"/>
+                        <a:t>計算</a:t>
+                      </a:r>
+                      <a:r>
+                        <a:rPr lang="en-US" altLang="zh-TW" dirty="0"/>
+                        <a:t>3</a:t>
+                      </a:r>
+                      <a:r>
+                        <a:rPr lang="zh-TW" altLang="en-US" dirty="0"/>
+                        <a:t>軸</a:t>
+                      </a:r>
+                      <a:r>
+                        <a:rPr lang="en-US" altLang="zh-TW" dirty="0"/>
+                        <a:t>acc sf </a:t>
+                      </a:r>
+                      <a:r>
+                        <a:rPr lang="zh-TW" altLang="en-US" dirty="0"/>
+                        <a:t>溫度校正</a:t>
+                      </a:r>
+                    </a:p>
+                  </a:txBody>
+                  <a:tcPr/>
+                </a:tc>
+                <a:tc>
+                  <a:txBody>
+                    <a:bodyPr/>
+                    <a:lstStyle/>
+                    <a:p>
+                      <a:r>
+                        <a:rPr lang="en-US" altLang="zh-TW" dirty="0"/>
+                        <a:t>13</a:t>
+                      </a:r>
+                      <a:endParaRPr lang="zh-TW" altLang="en-US" dirty="0"/>
+                    </a:p>
+                  </a:txBody>
+                  <a:tcPr/>
+                </a:tc>
+                <a:tc>
+                  <a:txBody>
+                    <a:bodyPr/>
+                    <a:lstStyle/>
+                    <a:p>
+                      <a:r>
+                        <a:rPr lang="en-US" altLang="zh-TW" sz="1200" kern="1200" dirty="0">
+                          <a:solidFill>
+                            <a:schemeClr val="tx1"/>
+                          </a:solidFill>
+                          <a:latin typeface="+mn-lt"/>
+                          <a:ea typeface="+mn-ea"/>
+                          <a:cs typeface="+mn-cs"/>
+                        </a:rPr>
+                        <a:t>SF_temp_compensation_1st_order_adxl357(data, </a:t>
+                      </a:r>
+                      <a:r>
+                        <a:rPr lang="en-US" altLang="zh-TW" sz="1200" kern="1200" dirty="0" err="1">
+                          <a:solidFill>
+                            <a:schemeClr val="tx1"/>
+                          </a:solidFill>
+                          <a:latin typeface="+mn-lt"/>
+                          <a:ea typeface="+mn-ea"/>
+                          <a:cs typeface="+mn-cs"/>
+                        </a:rPr>
+                        <a:t>fog_parameter</a:t>
+                      </a:r>
+                      <a:r>
+                        <a:rPr lang="en-US" altLang="zh-TW" sz="1200" kern="1200" dirty="0">
+                          <a:solidFill>
+                            <a:schemeClr val="tx1"/>
+                          </a:solidFill>
+                          <a:latin typeface="+mn-lt"/>
+                          <a:ea typeface="+mn-ea"/>
+                          <a:cs typeface="+mn-cs"/>
+                        </a:rPr>
+                        <a:t>, X_AXIS)</a:t>
+                      </a:r>
+                      <a:endParaRPr lang="zh-TW" altLang="en-US" sz="1200" kern="1200" dirty="0">
+                        <a:solidFill>
+                          <a:schemeClr val="tx1"/>
+                        </a:solidFill>
+                        <a:latin typeface="+mn-lt"/>
+                        <a:ea typeface="+mn-ea"/>
+                        <a:cs typeface="+mn-cs"/>
+                      </a:endParaRPr>
+                    </a:p>
+                  </a:txBody>
+                  <a:tcPr/>
+                </a:tc>
+                <a:extLst>
+                  <a:ext uri="{0D108BD9-81ED-4DB2-BD59-A6C34878D82A}">
+                    <a16:rowId xmlns:a16="http://schemas.microsoft.com/office/drawing/2014/main" val="1983225309"/>
+                  </a:ext>
+                </a:extLst>
+              </a:tr>
+              <a:tr h="370840">
+                <a:tc>
+                  <a:txBody>
+                    <a:bodyPr/>
+                    <a:lstStyle/>
+                    <a:p>
+                      <a:pPr marL="0" marR="0" lvl="0" indent="0" algn="l" defTabSz="914400" rtl="0" eaLnBrk="1" fontAlgn="auto" latinLnBrk="0" hangingPunct="1">
+                        <a:lnSpc>
+                          <a:spcPct val="100000"/>
+                        </a:lnSpc>
+                        <a:spcBef>
+                          <a:spcPts val="0"/>
+                        </a:spcBef>
+                        <a:spcAft>
+                          <a:spcPts val="0"/>
+                        </a:spcAft>
+                        <a:buClrTx/>
+                        <a:buSzTx/>
+                        <a:buFontTx/>
+                        <a:buNone/>
+                        <a:tabLst/>
+                        <a:defRPr/>
+                      </a:pPr>
+                      <a:r>
+                        <a:rPr lang="zh-TW" altLang="en-US" dirty="0"/>
+                        <a:t>計算</a:t>
+                      </a:r>
+                      <a:r>
+                        <a:rPr lang="en-US" altLang="zh-TW" dirty="0"/>
+                        <a:t>3</a:t>
+                      </a:r>
+                      <a:r>
+                        <a:rPr lang="zh-TW" altLang="en-US" dirty="0"/>
+                        <a:t>軸</a:t>
+                      </a:r>
+                      <a:r>
+                        <a:rPr lang="en-US" altLang="zh-TW" dirty="0"/>
+                        <a:t>gyro bias </a:t>
+                      </a:r>
+                      <a:r>
+                        <a:rPr lang="zh-TW" altLang="en-US" dirty="0"/>
+                        <a:t>溫度校正</a:t>
+                      </a:r>
+                    </a:p>
+                  </a:txBody>
+                  <a:tcPr/>
+                </a:tc>
+                <a:tc>
+                  <a:txBody>
+                    <a:bodyPr/>
+                    <a:lstStyle/>
+                    <a:p>
+                      <a:r>
+                        <a:rPr lang="en-US" altLang="zh-TW" dirty="0"/>
+                        <a:t>13</a:t>
+                      </a:r>
+                      <a:endParaRPr lang="zh-TW" altLang="en-US" dirty="0"/>
+                    </a:p>
+                  </a:txBody>
+                  <a:tcPr/>
+                </a:tc>
+                <a:tc>
+                  <a:txBody>
+                    <a:bodyPr/>
+                    <a:lstStyle/>
+                    <a:p>
+                      <a:r>
+                        <a:rPr lang="en-US" altLang="zh-TW" sz="1200" kern="1200" dirty="0">
+                          <a:solidFill>
+                            <a:schemeClr val="tx1"/>
+                          </a:solidFill>
+                          <a:latin typeface="+mn-lt"/>
+                          <a:ea typeface="+mn-ea"/>
+                          <a:cs typeface="+mn-cs"/>
+                        </a:rPr>
+                        <a:t>BIAS_temp_compensation_1st_order_fog_3T(data, </a:t>
+                      </a:r>
+                      <a:r>
+                        <a:rPr lang="en-US" altLang="zh-TW" sz="1200" kern="1200" dirty="0" err="1">
+                          <a:solidFill>
+                            <a:schemeClr val="tx1"/>
+                          </a:solidFill>
+                          <a:latin typeface="+mn-lt"/>
+                          <a:ea typeface="+mn-ea"/>
+                          <a:cs typeface="+mn-cs"/>
+                        </a:rPr>
+                        <a:t>fog_parameter</a:t>
+                      </a:r>
+                      <a:r>
+                        <a:rPr lang="en-US" altLang="zh-TW" sz="1200" kern="1200" dirty="0">
+                          <a:solidFill>
+                            <a:schemeClr val="tx1"/>
+                          </a:solidFill>
+                          <a:latin typeface="+mn-lt"/>
+                          <a:ea typeface="+mn-ea"/>
+                          <a:cs typeface="+mn-cs"/>
+                        </a:rPr>
+                        <a:t>, X_AXIS)</a:t>
+                      </a:r>
+                      <a:endParaRPr lang="zh-TW" altLang="en-US" sz="1200" kern="1200" dirty="0">
+                        <a:solidFill>
+                          <a:schemeClr val="tx1"/>
+                        </a:solidFill>
+                        <a:latin typeface="+mn-lt"/>
+                        <a:ea typeface="+mn-ea"/>
+                        <a:cs typeface="+mn-cs"/>
+                      </a:endParaRPr>
+                    </a:p>
+                  </a:txBody>
+                  <a:tcPr/>
+                </a:tc>
+                <a:extLst>
+                  <a:ext uri="{0D108BD9-81ED-4DB2-BD59-A6C34878D82A}">
+                    <a16:rowId xmlns:a16="http://schemas.microsoft.com/office/drawing/2014/main" val="2435598404"/>
+                  </a:ext>
+                </a:extLst>
+              </a:tr>
+              <a:tr h="370840">
+                <a:tc>
+                  <a:txBody>
+                    <a:bodyPr/>
+                    <a:lstStyle/>
+                    <a:p>
+                      <a:pPr marL="0" marR="0" lvl="0" indent="0" algn="l" defTabSz="914400" rtl="0" eaLnBrk="1" fontAlgn="auto" latinLnBrk="0" hangingPunct="1">
+                        <a:lnSpc>
+                          <a:spcPct val="100000"/>
+                        </a:lnSpc>
+                        <a:spcBef>
+                          <a:spcPts val="0"/>
+                        </a:spcBef>
+                        <a:spcAft>
+                          <a:spcPts val="0"/>
+                        </a:spcAft>
+                        <a:buClrTx/>
+                        <a:buSzTx/>
+                        <a:buFontTx/>
+                        <a:buNone/>
+                        <a:tabLst/>
+                        <a:defRPr/>
+                      </a:pPr>
+                      <a:r>
+                        <a:rPr lang="zh-TW" altLang="en-US" dirty="0"/>
+                        <a:t>計算</a:t>
+                      </a:r>
+                      <a:r>
+                        <a:rPr lang="en-US" altLang="zh-TW" dirty="0"/>
+                        <a:t>3</a:t>
+                      </a:r>
+                      <a:r>
+                        <a:rPr lang="zh-TW" altLang="en-US" dirty="0"/>
+                        <a:t>軸</a:t>
+                      </a:r>
+                      <a:r>
+                        <a:rPr lang="en-US" altLang="zh-TW" dirty="0"/>
+                        <a:t>acc bias </a:t>
+                      </a:r>
+                      <a:r>
+                        <a:rPr lang="zh-TW" altLang="en-US" dirty="0"/>
+                        <a:t>溫度校正</a:t>
+                      </a:r>
+                    </a:p>
+                  </a:txBody>
+                  <a:tcPr/>
+                </a:tc>
+                <a:tc>
+                  <a:txBody>
+                    <a:bodyPr/>
+                    <a:lstStyle/>
+                    <a:p>
+                      <a:r>
+                        <a:rPr lang="en-US" altLang="zh-TW" dirty="0"/>
+                        <a:t>13</a:t>
+                      </a:r>
+                      <a:endParaRPr lang="zh-TW" altLang="en-US" dirty="0"/>
+                    </a:p>
+                  </a:txBody>
+                  <a:tcPr/>
+                </a:tc>
+                <a:tc>
+                  <a:txBody>
+                    <a:bodyPr/>
+                    <a:lstStyle/>
+                    <a:p>
+                      <a:r>
+                        <a:rPr lang="en-US" altLang="zh-TW" sz="1200" kern="1200" dirty="0">
+                          <a:solidFill>
+                            <a:schemeClr val="tx1"/>
+                          </a:solidFill>
+                          <a:latin typeface="+mn-lt"/>
+                          <a:ea typeface="+mn-ea"/>
+                          <a:cs typeface="+mn-cs"/>
+                        </a:rPr>
+                        <a:t>BIAS_temp_compensation_1st_order_adxl357(data, </a:t>
+                      </a:r>
+                      <a:r>
+                        <a:rPr lang="en-US" altLang="zh-TW" sz="1200" kern="1200" dirty="0" err="1">
+                          <a:solidFill>
+                            <a:schemeClr val="tx1"/>
+                          </a:solidFill>
+                          <a:latin typeface="+mn-lt"/>
+                          <a:ea typeface="+mn-ea"/>
+                          <a:cs typeface="+mn-cs"/>
+                        </a:rPr>
+                        <a:t>fog_parameter</a:t>
+                      </a:r>
+                      <a:r>
+                        <a:rPr lang="en-US" altLang="zh-TW" sz="1200" kern="1200" dirty="0">
+                          <a:solidFill>
+                            <a:schemeClr val="tx1"/>
+                          </a:solidFill>
+                          <a:latin typeface="+mn-lt"/>
+                          <a:ea typeface="+mn-ea"/>
+                          <a:cs typeface="+mn-cs"/>
+                        </a:rPr>
+                        <a:t>, X_AXIS)</a:t>
+                      </a:r>
+                      <a:endParaRPr lang="zh-TW" altLang="en-US" sz="1200" kern="1200" dirty="0">
+                        <a:solidFill>
+                          <a:schemeClr val="tx1"/>
+                        </a:solidFill>
+                        <a:latin typeface="+mn-lt"/>
+                        <a:ea typeface="+mn-ea"/>
+                        <a:cs typeface="+mn-cs"/>
+                      </a:endParaRPr>
+                    </a:p>
+                  </a:txBody>
+                  <a:tcPr/>
+                </a:tc>
+                <a:extLst>
+                  <a:ext uri="{0D108BD9-81ED-4DB2-BD59-A6C34878D82A}">
+                    <a16:rowId xmlns:a16="http://schemas.microsoft.com/office/drawing/2014/main" val="2737955572"/>
+                  </a:ext>
+                </a:extLst>
+              </a:tr>
+              <a:tr h="370840">
+                <a:tc>
+                  <a:txBody>
+                    <a:bodyPr/>
+                    <a:lstStyle/>
+                    <a:p>
+                      <a:pPr marL="0" marR="0" lvl="0" indent="0" algn="l" defTabSz="914400" rtl="0" eaLnBrk="1" fontAlgn="auto" latinLnBrk="0" hangingPunct="1">
+                        <a:lnSpc>
+                          <a:spcPct val="100000"/>
+                        </a:lnSpc>
+                        <a:spcBef>
+                          <a:spcPts val="0"/>
+                        </a:spcBef>
+                        <a:spcAft>
+                          <a:spcPts val="0"/>
+                        </a:spcAft>
+                        <a:buClrTx/>
+                        <a:buSzTx/>
+                        <a:buFontTx/>
+                        <a:buNone/>
+                        <a:tabLst/>
+                        <a:defRPr/>
+                      </a:pPr>
+                      <a:r>
+                        <a:rPr lang="zh-TW" altLang="en-US" dirty="0"/>
+                        <a:t>使用校正好的</a:t>
+                      </a:r>
+                      <a:r>
+                        <a:rPr lang="en-US" altLang="zh-TW" dirty="0"/>
+                        <a:t>gyro sf</a:t>
+                      </a:r>
+                      <a:r>
+                        <a:rPr lang="zh-TW" altLang="en-US" dirty="0"/>
+                        <a:t>與</a:t>
+                      </a:r>
+                      <a:r>
+                        <a:rPr lang="en-US" altLang="zh-TW" dirty="0"/>
+                        <a:t>bias</a:t>
+                      </a:r>
+                      <a:r>
+                        <a:rPr lang="zh-TW" altLang="en-US" dirty="0"/>
+                        <a:t>做運算</a:t>
+                      </a:r>
+                    </a:p>
+                  </a:txBody>
+                  <a:tcPr/>
+                </a:tc>
+                <a:tc>
+                  <a:txBody>
+                    <a:bodyPr/>
+                    <a:lstStyle/>
+                    <a:p>
+                      <a:r>
+                        <a:rPr lang="en-US" altLang="zh-TW" dirty="0"/>
+                        <a:t>1</a:t>
+                      </a:r>
+                      <a:endParaRPr lang="zh-TW" altLang="en-US" dirty="0"/>
+                    </a:p>
+                  </a:txBody>
+                  <a:tcPr/>
+                </a:tc>
+                <a:tc>
+                  <a:txBody>
+                    <a:bodyPr/>
+                    <a:lstStyle/>
+                    <a:p>
+                      <a:r>
+                        <a:rPr lang="en-US" altLang="zh-TW" sz="1200" kern="1200" dirty="0" err="1">
+                          <a:solidFill>
+                            <a:schemeClr val="tx1"/>
+                          </a:solidFill>
+                          <a:latin typeface="+mn-lt"/>
+                          <a:ea typeface="+mn-ea"/>
+                          <a:cs typeface="+mn-cs"/>
+                        </a:rPr>
+                        <a:t>data.fog.fogx.step.float_val</a:t>
+                      </a:r>
+                      <a:r>
+                        <a:rPr lang="en-US" altLang="zh-TW" sz="1200" kern="1200" dirty="0">
+                          <a:solidFill>
+                            <a:schemeClr val="tx1"/>
+                          </a:solidFill>
+                          <a:latin typeface="+mn-lt"/>
+                          <a:ea typeface="+mn-ea"/>
+                          <a:cs typeface="+mn-cs"/>
+                        </a:rPr>
+                        <a:t> * </a:t>
+                      </a:r>
+                      <a:r>
+                        <a:rPr lang="en-US" altLang="zh-TW" sz="1200" kern="1200" dirty="0" err="1">
+                          <a:solidFill>
+                            <a:schemeClr val="tx1"/>
+                          </a:solidFill>
+                          <a:latin typeface="+mn-lt"/>
+                          <a:ea typeface="+mn-ea"/>
+                          <a:cs typeface="+mn-cs"/>
+                        </a:rPr>
+                        <a:t>sf_x_comp_gyro</a:t>
+                      </a:r>
+                      <a:r>
+                        <a:rPr lang="en-US" altLang="zh-TW" sz="1200" kern="1200" dirty="0">
+                          <a:solidFill>
+                            <a:schemeClr val="tx1"/>
+                          </a:solidFill>
+                          <a:latin typeface="+mn-lt"/>
+                          <a:ea typeface="+mn-ea"/>
+                          <a:cs typeface="+mn-cs"/>
+                        </a:rPr>
+                        <a:t> - </a:t>
+                      </a:r>
+                      <a:r>
+                        <a:rPr lang="en-US" altLang="zh-TW" sz="1200" kern="1200" dirty="0" err="1">
+                          <a:solidFill>
+                            <a:schemeClr val="tx1"/>
+                          </a:solidFill>
+                          <a:latin typeface="+mn-lt"/>
+                          <a:ea typeface="+mn-ea"/>
+                          <a:cs typeface="+mn-cs"/>
+                        </a:rPr>
+                        <a:t>bias_x_comp_gyro</a:t>
+                      </a:r>
+                      <a:endParaRPr lang="zh-TW" altLang="en-US" sz="1200" kern="1200" dirty="0">
+                        <a:solidFill>
+                          <a:schemeClr val="tx1"/>
+                        </a:solidFill>
+                        <a:latin typeface="+mn-lt"/>
+                        <a:ea typeface="+mn-ea"/>
+                        <a:cs typeface="+mn-cs"/>
+                      </a:endParaRPr>
+                    </a:p>
+                  </a:txBody>
+                  <a:tcPr/>
+                </a:tc>
+                <a:extLst>
+                  <a:ext uri="{0D108BD9-81ED-4DB2-BD59-A6C34878D82A}">
+                    <a16:rowId xmlns:a16="http://schemas.microsoft.com/office/drawing/2014/main" val="3234130450"/>
+                  </a:ext>
+                </a:extLst>
+              </a:tr>
+              <a:tr h="370840">
+                <a:tc>
+                  <a:txBody>
+                    <a:bodyPr/>
+                    <a:lstStyle/>
+                    <a:p>
+                      <a:pPr marL="0" marR="0" lvl="0" indent="0" algn="l" defTabSz="914400" rtl="0" eaLnBrk="1" fontAlgn="auto" latinLnBrk="0" hangingPunct="1">
+                        <a:lnSpc>
+                          <a:spcPct val="100000"/>
+                        </a:lnSpc>
+                        <a:spcBef>
+                          <a:spcPts val="0"/>
+                        </a:spcBef>
+                        <a:spcAft>
+                          <a:spcPts val="0"/>
+                        </a:spcAft>
+                        <a:buClrTx/>
+                        <a:buSzTx/>
+                        <a:buFontTx/>
+                        <a:buNone/>
+                        <a:tabLst/>
+                        <a:defRPr/>
+                      </a:pPr>
+                      <a:r>
+                        <a:rPr lang="zh-TW" altLang="en-US" dirty="0"/>
+                        <a:t>使用校正好的</a:t>
+                      </a:r>
+                      <a:r>
+                        <a:rPr lang="en-US" altLang="zh-TW" dirty="0"/>
+                        <a:t>acc sf</a:t>
+                      </a:r>
+                      <a:r>
+                        <a:rPr lang="zh-TW" altLang="en-US" dirty="0"/>
+                        <a:t>與</a:t>
+                      </a:r>
+                      <a:r>
+                        <a:rPr lang="en-US" altLang="zh-TW" dirty="0"/>
+                        <a:t>bias</a:t>
+                      </a:r>
+                      <a:r>
+                        <a:rPr lang="zh-TW" altLang="en-US" dirty="0"/>
+                        <a:t>做運算</a:t>
+                      </a:r>
+                    </a:p>
+                  </a:txBody>
+                  <a:tcPr/>
+                </a:tc>
+                <a:tc>
+                  <a:txBody>
+                    <a:bodyPr/>
+                    <a:lstStyle/>
+                    <a:p>
+                      <a:r>
+                        <a:rPr lang="en-US" altLang="zh-TW" dirty="0"/>
+                        <a:t>1</a:t>
+                      </a:r>
+                      <a:endParaRPr lang="zh-TW" altLang="en-US" dirty="0"/>
+                    </a:p>
+                  </a:txBody>
+                  <a:tcPr/>
+                </a:tc>
+                <a:tc>
+                  <a:txBody>
+                    <a:bodyPr/>
+                    <a:lstStyle/>
+                    <a:p>
+                      <a:r>
+                        <a:rPr lang="en-US" altLang="zh-TW" sz="1200" kern="1200" dirty="0">
+                          <a:solidFill>
+                            <a:schemeClr val="tx1"/>
+                          </a:solidFill>
+                          <a:latin typeface="+mn-lt"/>
+                          <a:ea typeface="+mn-ea"/>
+                          <a:cs typeface="+mn-cs"/>
+                        </a:rPr>
+                        <a:t>data.adxl357.ax.float_val * </a:t>
+                      </a:r>
+                      <a:r>
+                        <a:rPr lang="en-US" altLang="zh-TW" sz="1200" kern="1200" dirty="0" err="1">
+                          <a:solidFill>
+                            <a:schemeClr val="tx1"/>
+                          </a:solidFill>
+                          <a:latin typeface="+mn-lt"/>
+                          <a:ea typeface="+mn-ea"/>
+                          <a:cs typeface="+mn-cs"/>
+                        </a:rPr>
+                        <a:t>sf_x_comp_accl</a:t>
+                      </a:r>
+                      <a:r>
+                        <a:rPr lang="en-US" altLang="zh-TW" sz="1200" kern="1200" dirty="0">
+                          <a:solidFill>
+                            <a:schemeClr val="tx1"/>
+                          </a:solidFill>
+                          <a:latin typeface="+mn-lt"/>
+                          <a:ea typeface="+mn-ea"/>
+                          <a:cs typeface="+mn-cs"/>
+                        </a:rPr>
+                        <a:t> - </a:t>
+                      </a:r>
+                      <a:r>
+                        <a:rPr lang="en-US" altLang="zh-TW" sz="1200" kern="1200" dirty="0" err="1">
+                          <a:solidFill>
+                            <a:schemeClr val="tx1"/>
+                          </a:solidFill>
+                          <a:latin typeface="+mn-lt"/>
+                          <a:ea typeface="+mn-ea"/>
+                          <a:cs typeface="+mn-cs"/>
+                        </a:rPr>
+                        <a:t>bias_x_comp_accl</a:t>
+                      </a:r>
+                      <a:endParaRPr lang="zh-TW" altLang="en-US" sz="1200" kern="1200" dirty="0">
+                        <a:solidFill>
+                          <a:schemeClr val="tx1"/>
+                        </a:solidFill>
+                        <a:latin typeface="+mn-lt"/>
+                        <a:ea typeface="+mn-ea"/>
+                        <a:cs typeface="+mn-cs"/>
+                      </a:endParaRPr>
+                    </a:p>
+                  </a:txBody>
+                  <a:tcPr/>
+                </a:tc>
+                <a:extLst>
+                  <a:ext uri="{0D108BD9-81ED-4DB2-BD59-A6C34878D82A}">
+                    <a16:rowId xmlns:a16="http://schemas.microsoft.com/office/drawing/2014/main" val="4180023794"/>
+                  </a:ext>
+                </a:extLst>
+              </a:tr>
+              <a:tr h="370840">
+                <a:tc>
+                  <a:txBody>
+                    <a:bodyPr/>
+                    <a:lstStyle/>
+                    <a:p>
+                      <a:pPr marL="0" marR="0" lvl="0" indent="0" algn="l" defTabSz="914400" rtl="0" eaLnBrk="1" fontAlgn="auto" latinLnBrk="0" hangingPunct="1">
+                        <a:lnSpc>
+                          <a:spcPct val="100000"/>
+                        </a:lnSpc>
+                        <a:spcBef>
+                          <a:spcPts val="0"/>
+                        </a:spcBef>
+                        <a:spcAft>
+                          <a:spcPts val="0"/>
+                        </a:spcAft>
+                        <a:buClrTx/>
+                        <a:buSzTx/>
+                        <a:buFontTx/>
+                        <a:buNone/>
+                        <a:tabLst/>
+                        <a:defRPr/>
+                      </a:pPr>
+                      <a:r>
+                        <a:rPr lang="zh-TW" altLang="en-US" dirty="0"/>
+                        <a:t>計算</a:t>
+                      </a:r>
+                      <a:r>
+                        <a:rPr lang="en-US" altLang="zh-TW" dirty="0"/>
+                        <a:t>gyro mis-align</a:t>
+                      </a:r>
+                      <a:endParaRPr lang="zh-TW" altLang="en-US" dirty="0"/>
+                    </a:p>
+                  </a:txBody>
+                  <a:tcPr/>
+                </a:tc>
+                <a:tc>
+                  <a:txBody>
+                    <a:bodyPr/>
+                    <a:lstStyle/>
+                    <a:p>
+                      <a:r>
+                        <a:rPr lang="en-US" altLang="zh-TW" dirty="0"/>
+                        <a:t>8</a:t>
+                      </a:r>
+                      <a:endParaRPr lang="zh-TW" altLang="en-US" dirty="0"/>
+                    </a:p>
+                  </a:txBody>
+                  <a:tcPr/>
+                </a:tc>
+                <a:tc>
+                  <a:txBody>
+                    <a:bodyPr/>
+                    <a:lstStyle/>
+                    <a:p>
+                      <a:r>
+                        <a:rPr lang="en-US" altLang="zh-TW" sz="1200" kern="1200" dirty="0" err="1">
+                          <a:solidFill>
+                            <a:schemeClr val="tx1"/>
+                          </a:solidFill>
+                          <a:latin typeface="+mn-lt"/>
+                          <a:ea typeface="+mn-ea"/>
+                          <a:cs typeface="+mn-cs"/>
+                        </a:rPr>
+                        <a:t>misalignment_calibration</a:t>
+                      </a:r>
+                      <a:r>
+                        <a:rPr lang="en-US" altLang="zh-TW" sz="1200" kern="1200" dirty="0">
+                          <a:solidFill>
+                            <a:schemeClr val="tx1"/>
+                          </a:solidFill>
+                          <a:latin typeface="+mn-lt"/>
+                          <a:ea typeface="+mn-ea"/>
+                          <a:cs typeface="+mn-cs"/>
+                        </a:rPr>
+                        <a:t>(</a:t>
+                      </a:r>
+                      <a:r>
+                        <a:rPr lang="en-US" altLang="zh-TW" sz="1200" kern="1200" dirty="0" err="1">
+                          <a:solidFill>
+                            <a:schemeClr val="tx1"/>
+                          </a:solidFill>
+                          <a:latin typeface="+mn-lt"/>
+                          <a:ea typeface="+mn-ea"/>
+                          <a:cs typeface="+mn-cs"/>
+                        </a:rPr>
+                        <a:t>step_x_comp</a:t>
+                      </a:r>
+                      <a:r>
+                        <a:rPr lang="en-US" altLang="zh-TW" sz="1200" kern="1200" dirty="0">
+                          <a:solidFill>
+                            <a:schemeClr val="tx1"/>
+                          </a:solidFill>
+                          <a:latin typeface="+mn-lt"/>
+                          <a:ea typeface="+mn-ea"/>
+                          <a:cs typeface="+mn-cs"/>
+                        </a:rPr>
+                        <a:t>, </a:t>
+                      </a:r>
+                      <a:r>
+                        <a:rPr lang="en-US" altLang="zh-TW" sz="1200" kern="1200" dirty="0" err="1">
+                          <a:solidFill>
+                            <a:schemeClr val="tx1"/>
+                          </a:solidFill>
+                          <a:latin typeface="+mn-lt"/>
+                          <a:ea typeface="+mn-ea"/>
+                          <a:cs typeface="+mn-cs"/>
+                        </a:rPr>
+                        <a:t>step_y_comp</a:t>
+                      </a:r>
+                      <a:r>
+                        <a:rPr lang="en-US" altLang="zh-TW" sz="1200" kern="1200" dirty="0">
+                          <a:solidFill>
+                            <a:schemeClr val="tx1"/>
+                          </a:solidFill>
+                          <a:latin typeface="+mn-lt"/>
+                          <a:ea typeface="+mn-ea"/>
+                          <a:cs typeface="+mn-cs"/>
+                        </a:rPr>
+                        <a:t>, </a:t>
+                      </a:r>
+                      <a:r>
+                        <a:rPr lang="en-US" altLang="zh-TW" sz="1200" kern="1200" dirty="0" err="1">
+                          <a:solidFill>
+                            <a:schemeClr val="tx1"/>
+                          </a:solidFill>
+                          <a:latin typeface="+mn-lt"/>
+                          <a:ea typeface="+mn-ea"/>
+                          <a:cs typeface="+mn-cs"/>
+                        </a:rPr>
+                        <a:t>step_z_comp</a:t>
+                      </a:r>
+                      <a:r>
+                        <a:rPr lang="en-US" altLang="zh-TW" sz="1200" kern="1200" dirty="0">
+                          <a:solidFill>
+                            <a:schemeClr val="tx1"/>
+                          </a:solidFill>
+                          <a:latin typeface="+mn-lt"/>
+                          <a:ea typeface="+mn-ea"/>
+                          <a:cs typeface="+mn-cs"/>
+                        </a:rPr>
+                        <a:t>, </a:t>
+                      </a:r>
+                      <a:r>
+                        <a:rPr lang="en-US" altLang="zh-TW" sz="1200" kern="1200" dirty="0" err="1">
+                          <a:solidFill>
+                            <a:schemeClr val="tx1"/>
+                          </a:solidFill>
+                          <a:latin typeface="+mn-lt"/>
+                          <a:ea typeface="+mn-ea"/>
+                          <a:cs typeface="+mn-cs"/>
+                        </a:rPr>
+                        <a:t>fog_parameter</a:t>
+                      </a:r>
+                      <a:r>
+                        <a:rPr lang="en-US" altLang="zh-TW" sz="1200" kern="1200" dirty="0">
+                          <a:solidFill>
+                            <a:schemeClr val="tx1"/>
+                          </a:solidFill>
+                          <a:latin typeface="+mn-lt"/>
+                          <a:ea typeface="+mn-ea"/>
+                          <a:cs typeface="+mn-cs"/>
+                        </a:rPr>
+                        <a:t>, MIS_CALI_GYRO)</a:t>
+                      </a:r>
+                      <a:endParaRPr lang="zh-TW" altLang="en-US" sz="1200" kern="1200" dirty="0">
+                        <a:solidFill>
+                          <a:schemeClr val="tx1"/>
+                        </a:solidFill>
+                        <a:latin typeface="+mn-lt"/>
+                        <a:ea typeface="+mn-ea"/>
+                        <a:cs typeface="+mn-cs"/>
+                      </a:endParaRPr>
+                    </a:p>
+                  </a:txBody>
+                  <a:tcPr/>
+                </a:tc>
+                <a:extLst>
+                  <a:ext uri="{0D108BD9-81ED-4DB2-BD59-A6C34878D82A}">
+                    <a16:rowId xmlns:a16="http://schemas.microsoft.com/office/drawing/2014/main" val="1003359490"/>
+                  </a:ext>
+                </a:extLst>
+              </a:tr>
+              <a:tr h="370840">
+                <a:tc>
+                  <a:txBody>
+                    <a:bodyPr/>
+                    <a:lstStyle/>
+                    <a:p>
+                      <a:pPr marL="0" marR="0" lvl="0" indent="0" algn="l" defTabSz="914400" rtl="0" eaLnBrk="1" fontAlgn="auto" latinLnBrk="0" hangingPunct="1">
+                        <a:lnSpc>
+                          <a:spcPct val="100000"/>
+                        </a:lnSpc>
+                        <a:spcBef>
+                          <a:spcPts val="0"/>
+                        </a:spcBef>
+                        <a:spcAft>
+                          <a:spcPts val="0"/>
+                        </a:spcAft>
+                        <a:buClrTx/>
+                        <a:buSzTx/>
+                        <a:buFontTx/>
+                        <a:buNone/>
+                        <a:tabLst/>
+                        <a:defRPr/>
+                      </a:pPr>
+                      <a:r>
+                        <a:rPr lang="zh-TW" altLang="en-US" dirty="0"/>
+                        <a:t>計算</a:t>
+                      </a:r>
+                      <a:r>
+                        <a:rPr lang="en-US" altLang="zh-TW" dirty="0"/>
+                        <a:t>acc mis-align</a:t>
+                      </a:r>
+                      <a:endParaRPr lang="zh-TW" altLang="en-US" dirty="0"/>
+                    </a:p>
+                  </a:txBody>
+                  <a:tcPr/>
+                </a:tc>
+                <a:tc>
+                  <a:txBody>
+                    <a:bodyPr/>
+                    <a:lstStyle/>
+                    <a:p>
+                      <a:r>
+                        <a:rPr lang="en-US" altLang="zh-TW" dirty="0"/>
+                        <a:t>10</a:t>
+                      </a:r>
+                      <a:endParaRPr lang="zh-TW" altLang="en-US" dirty="0"/>
+                    </a:p>
+                  </a:txBody>
+                  <a:tcPr/>
+                </a:tc>
+                <a:tc>
+                  <a:txBody>
+                    <a:bodyPr/>
+                    <a:lstStyle/>
+                    <a:p>
+                      <a:endParaRPr lang="zh-TW" altLang="en-US" sz="1200" kern="1200" dirty="0">
+                        <a:solidFill>
+                          <a:schemeClr val="tx1"/>
+                        </a:solidFill>
+                        <a:latin typeface="+mn-lt"/>
+                        <a:ea typeface="+mn-ea"/>
+                        <a:cs typeface="+mn-cs"/>
+                      </a:endParaRPr>
+                    </a:p>
+                  </a:txBody>
+                  <a:tcPr/>
+                </a:tc>
+                <a:extLst>
+                  <a:ext uri="{0D108BD9-81ED-4DB2-BD59-A6C34878D82A}">
+                    <a16:rowId xmlns:a16="http://schemas.microsoft.com/office/drawing/2014/main" val="692950882"/>
+                  </a:ext>
+                </a:extLst>
+              </a:tr>
+              <a:tr h="370840">
+                <a:tc>
+                  <a:txBody>
+                    <a:bodyPr/>
+                    <a:lstStyle/>
+                    <a:p>
+                      <a:pPr marL="0" marR="0" lvl="0" indent="0" algn="l" defTabSz="914400" rtl="0" eaLnBrk="1" fontAlgn="auto" latinLnBrk="0" hangingPunct="1">
+                        <a:lnSpc>
+                          <a:spcPct val="100000"/>
+                        </a:lnSpc>
+                        <a:spcBef>
+                          <a:spcPts val="0"/>
+                        </a:spcBef>
+                        <a:spcAft>
+                          <a:spcPts val="0"/>
+                        </a:spcAft>
+                        <a:buClrTx/>
+                        <a:buSzTx/>
+                        <a:buFontTx/>
+                        <a:buNone/>
+                        <a:tabLst/>
+                        <a:defRPr/>
+                      </a:pPr>
+                      <a:r>
+                        <a:rPr lang="zh-TW" altLang="en-US" dirty="0"/>
+                        <a:t>計算</a:t>
+                      </a:r>
+                      <a:r>
+                        <a:rPr lang="en-US" altLang="zh-TW" dirty="0"/>
+                        <a:t>CRC</a:t>
+                      </a:r>
+                      <a:endParaRPr lang="zh-TW" altLang="en-US" dirty="0"/>
+                    </a:p>
+                  </a:txBody>
+                  <a:tcPr/>
+                </a:tc>
+                <a:tc>
+                  <a:txBody>
+                    <a:bodyPr/>
+                    <a:lstStyle/>
+                    <a:p>
+                      <a:r>
+                        <a:rPr lang="en-US" altLang="zh-TW" dirty="0"/>
+                        <a:t>18</a:t>
+                      </a:r>
+                      <a:endParaRPr lang="zh-TW" altLang="en-US" dirty="0"/>
+                    </a:p>
+                  </a:txBody>
+                  <a:tcPr/>
+                </a:tc>
+                <a:tc>
+                  <a:txBody>
+                    <a:bodyPr/>
+                    <a:lstStyle/>
+                    <a:p>
+                      <a:endParaRPr lang="zh-TW" altLang="en-US" sz="1200" kern="1200" dirty="0">
+                        <a:solidFill>
+                          <a:schemeClr val="tx1"/>
+                        </a:solidFill>
+                        <a:latin typeface="+mn-lt"/>
+                        <a:ea typeface="+mn-ea"/>
+                        <a:cs typeface="+mn-cs"/>
+                      </a:endParaRPr>
+                    </a:p>
+                  </a:txBody>
+                  <a:tcPr/>
+                </a:tc>
+                <a:extLst>
+                  <a:ext uri="{0D108BD9-81ED-4DB2-BD59-A6C34878D82A}">
+                    <a16:rowId xmlns:a16="http://schemas.microsoft.com/office/drawing/2014/main" val="1713078717"/>
+                  </a:ext>
+                </a:extLst>
+              </a:tr>
+            </a:tbl>
+          </a:graphicData>
+        </a:graphic>
+      </p:graphicFrame>
+    </p:spTree>
+    <p:extLst>
+      <p:ext uri="{BB962C8B-B14F-4D97-AF65-F5344CB8AC3E}">
+        <p14:creationId xmlns:p14="http://schemas.microsoft.com/office/powerpoint/2010/main" val="4215154291"/>
+      </p:ext>
+    </p:extLst>
+  </p:cSld>
+  <p:clrMapOvr>
+    <a:masterClrMapping/>
+  </p:clrMapOvr>
+</p:sld>
+</file>
+
+<file path=ppt/slides/slide8.xml><?xml version="1.0" encoding="utf-8"?>
+<p:sld xmlns:a="http://schemas.openxmlformats.org/drawingml/2006/main" xmlns:r="http://schemas.openxmlformats.org/officeDocument/2006/relationships" xmlns:p="http://schemas.openxmlformats.org/presentationml/2006/main">
+  <p:cSld>
+    <p:spTree>
+      <p:nvGrpSpPr>
+        <p:cNvPr id="1" name="">
+          <a:extLst>
+            <a:ext uri="{FF2B5EF4-FFF2-40B4-BE49-F238E27FC236}">
+              <a16:creationId xmlns:a16="http://schemas.microsoft.com/office/drawing/2014/main" id="{8BB9E480-3FA1-94B4-521B-57F5088C26FC}"/>
+            </a:ext>
+          </a:extLst>
+        </p:cNvPr>
+        <p:cNvGrpSpPr/>
+        <p:nvPr/>
+      </p:nvGrpSpPr>
+      <p:grpSpPr>
+        <a:xfrm>
+          <a:off x="0" y="0"/>
+          <a:ext cx="0" cy="0"/>
+          <a:chOff x="0" y="0"/>
+          <a:chExt cx="0" cy="0"/>
+        </a:xfrm>
+      </p:grpSpPr>
+      <p:sp>
+        <p:nvSpPr>
+          <p:cNvPr id="2" name="文字方塊 1">
+            <a:extLst>
+              <a:ext uri="{FF2B5EF4-FFF2-40B4-BE49-F238E27FC236}">
+                <a16:creationId xmlns:a16="http://schemas.microsoft.com/office/drawing/2014/main" id="{0FF07DB6-2E94-FBD2-90EC-F7B249F5121F}"/>
+              </a:ext>
+            </a:extLst>
+          </p:cNvPr>
+          <p:cNvSpPr txBox="1"/>
+          <p:nvPr/>
+        </p:nvSpPr>
+        <p:spPr>
+          <a:xfrm>
+            <a:off x="139148" y="277689"/>
+            <a:ext cx="7961795" cy="369332"/>
+          </a:xfrm>
+          <a:prstGeom prst="rect">
+            <a:avLst/>
+          </a:prstGeom>
+          <a:noFill/>
+        </p:spPr>
+        <p:txBody>
+          <a:bodyPr wrap="none" rtlCol="0">
+            <a:spAutoFit/>
+          </a:bodyPr>
+          <a:lstStyle/>
+          <a:p>
+            <a:r>
+              <a:rPr lang="zh-TW" altLang="en-US" u="sng" dirty="0"/>
+              <a:t>將 </a:t>
+            </a:r>
+            <a:r>
+              <a:rPr lang="en-US" altLang="zh-TW" u="sng" dirty="0"/>
+              <a:t>gyro scale factor temperature  compensation</a:t>
+            </a:r>
+            <a:r>
+              <a:rPr lang="zh-TW" altLang="en-US" u="sng" dirty="0"/>
+              <a:t> 函數改成直接在主程式展開</a:t>
+            </a:r>
+            <a:r>
+              <a:rPr lang="en-US" altLang="zh-TW" u="sng" dirty="0"/>
+              <a:t>:</a:t>
+            </a:r>
+            <a:endParaRPr lang="zh-TW" altLang="en-US" u="sng" dirty="0"/>
+          </a:p>
+        </p:txBody>
+      </p:sp>
+      <p:pic>
+        <p:nvPicPr>
+          <p:cNvPr id="4" name="圖片 3">
+            <a:extLst>
+              <a:ext uri="{FF2B5EF4-FFF2-40B4-BE49-F238E27FC236}">
+                <a16:creationId xmlns:a16="http://schemas.microsoft.com/office/drawing/2014/main" id="{3CAAB422-E0E6-2A7A-873A-DF5D9D3C5FAA}"/>
+              </a:ext>
+            </a:extLst>
+          </p:cNvPr>
+          <p:cNvPicPr>
+            <a:picLocks noChangeAspect="1"/>
+          </p:cNvPicPr>
+          <p:nvPr/>
+        </p:nvPicPr>
+        <p:blipFill>
+          <a:blip r:embed="rId2"/>
+          <a:stretch>
+            <a:fillRect/>
+          </a:stretch>
+        </p:blipFill>
+        <p:spPr>
+          <a:xfrm>
+            <a:off x="693478" y="1296805"/>
+            <a:ext cx="8811855" cy="4010585"/>
+          </a:xfrm>
+          <a:prstGeom prst="rect">
+            <a:avLst/>
+          </a:prstGeom>
+        </p:spPr>
+      </p:pic>
+      <p:sp>
+        <p:nvSpPr>
+          <p:cNvPr id="5" name="文字方塊 4">
+            <a:extLst>
+              <a:ext uri="{FF2B5EF4-FFF2-40B4-BE49-F238E27FC236}">
+                <a16:creationId xmlns:a16="http://schemas.microsoft.com/office/drawing/2014/main" id="{4846D8D3-CDF3-16D6-DE39-5A7FF7CF7A87}"/>
+              </a:ext>
+            </a:extLst>
+          </p:cNvPr>
+          <p:cNvSpPr txBox="1"/>
+          <p:nvPr/>
+        </p:nvSpPr>
+        <p:spPr>
+          <a:xfrm>
+            <a:off x="693478" y="787247"/>
+            <a:ext cx="2880917" cy="369332"/>
+          </a:xfrm>
+          <a:prstGeom prst="rect">
+            <a:avLst/>
+          </a:prstGeom>
+          <a:noFill/>
+        </p:spPr>
+        <p:txBody>
+          <a:bodyPr wrap="none" rtlCol="0">
+            <a:spAutoFit/>
+          </a:bodyPr>
+          <a:lstStyle/>
+          <a:p>
+            <a:r>
+              <a:rPr lang="zh-TW" altLang="en-US" dirty="0"/>
+              <a:t>花費時間由</a:t>
+            </a:r>
+            <a:r>
+              <a:rPr lang="en-US" altLang="zh-TW" dirty="0"/>
+              <a:t>13~14 </a:t>
+            </a:r>
+            <a:r>
+              <a:rPr lang="zh-TW" altLang="en-US" dirty="0"/>
+              <a:t>降為 </a:t>
+            </a:r>
+            <a:r>
+              <a:rPr lang="en-US" altLang="zh-TW" dirty="0"/>
+              <a:t>1~2</a:t>
+            </a:r>
+            <a:endParaRPr lang="zh-TW" altLang="en-US" dirty="0"/>
+          </a:p>
+        </p:txBody>
+      </p:sp>
+    </p:spTree>
+    <p:extLst>
+      <p:ext uri="{BB962C8B-B14F-4D97-AF65-F5344CB8AC3E}">
+        <p14:creationId xmlns:p14="http://schemas.microsoft.com/office/powerpoint/2010/main" val="931300294"/>
+      </p:ext>
+    </p:extLst>
+  </p:cSld>
+  <p:clrMapOvr>
+    <a:masterClrMapping/>
+  </p:clrMapOvr>
+</p:sld>
+</file>
+
+<file path=ppt/slides/slide9.xml><?xml version="1.0" encoding="utf-8"?>
+<p:sld xmlns:a="http://schemas.openxmlformats.org/drawingml/2006/main" xmlns:r="http://schemas.openxmlformats.org/officeDocument/2006/relationships" xmlns:p="http://schemas.openxmlformats.org/presentationml/2006/main">
+  <p:cSld>
+    <p:spTree>
+      <p:nvGrpSpPr>
+        <p:cNvPr id="1" name="">
+          <a:extLst>
+            <a:ext uri="{FF2B5EF4-FFF2-40B4-BE49-F238E27FC236}">
+              <a16:creationId xmlns:a16="http://schemas.microsoft.com/office/drawing/2014/main" id="{2E495CDE-21B8-1579-E50B-55B6F4F6B3C9}"/>
+            </a:ext>
+          </a:extLst>
+        </p:cNvPr>
+        <p:cNvGrpSpPr/>
+        <p:nvPr/>
+      </p:nvGrpSpPr>
+      <p:grpSpPr>
+        <a:xfrm>
+          <a:off x="0" y="0"/>
+          <a:ext cx="0" cy="0"/>
+          <a:chOff x="0" y="0"/>
+          <a:chExt cx="0" cy="0"/>
+        </a:xfrm>
+      </p:grpSpPr>
+      <p:graphicFrame>
+        <p:nvGraphicFramePr>
+          <p:cNvPr id="2" name="表格 1">
+            <a:extLst>
+              <a:ext uri="{FF2B5EF4-FFF2-40B4-BE49-F238E27FC236}">
+                <a16:creationId xmlns:a16="http://schemas.microsoft.com/office/drawing/2014/main" id="{F52B9570-20E9-159E-5369-2C60C1176F07}"/>
+              </a:ext>
+            </a:extLst>
+          </p:cNvPr>
+          <p:cNvGraphicFramePr>
+            <a:graphicFrameLocks noGrp="1"/>
+          </p:cNvGraphicFramePr>
+          <p:nvPr>
+            <p:extLst>
+              <p:ext uri="{D42A27DB-BD31-4B8C-83A1-F6EECF244321}">
+                <p14:modId xmlns:p14="http://schemas.microsoft.com/office/powerpoint/2010/main" val="2545605103"/>
+              </p:ext>
+            </p:extLst>
+          </p:nvPr>
+        </p:nvGraphicFramePr>
+        <p:xfrm>
+          <a:off x="546715" y="737171"/>
+          <a:ext cx="11473579" cy="4790440"/>
+        </p:xfrm>
+        <a:graphic>
+          <a:graphicData uri="http://schemas.openxmlformats.org/drawingml/2006/table">
+            <a:tbl>
+              <a:tblPr firstRow="1" bandRow="1">
+                <a:tableStyleId>{5940675A-B579-460E-94D1-54222C63F5DA}</a:tableStyleId>
+              </a:tblPr>
+              <a:tblGrid>
+                <a:gridCol w="2874391">
+                  <a:extLst>
+                    <a:ext uri="{9D8B030D-6E8A-4147-A177-3AD203B41FA5}">
+                      <a16:colId xmlns:a16="http://schemas.microsoft.com/office/drawing/2014/main" val="2694532458"/>
+                    </a:ext>
+                  </a:extLst>
+                </a:gridCol>
+                <a:gridCol w="2709333">
+                  <a:extLst>
+                    <a:ext uri="{9D8B030D-6E8A-4147-A177-3AD203B41FA5}">
+                      <a16:colId xmlns:a16="http://schemas.microsoft.com/office/drawing/2014/main" val="1963943372"/>
+                    </a:ext>
+                  </a:extLst>
+                </a:gridCol>
+                <a:gridCol w="5889855">
+                  <a:extLst>
+                    <a:ext uri="{9D8B030D-6E8A-4147-A177-3AD203B41FA5}">
+                      <a16:colId xmlns:a16="http://schemas.microsoft.com/office/drawing/2014/main" val="990677940"/>
+                    </a:ext>
+                  </a:extLst>
+                </a:gridCol>
+              </a:tblGrid>
+              <a:tr h="370840">
+                <a:tc>
+                  <a:txBody>
+                    <a:bodyPr/>
+                    <a:lstStyle/>
+                    <a:p>
+                      <a:pPr marL="0" marR="0" lvl="0" indent="0" algn="l" defTabSz="914400" rtl="0" eaLnBrk="1" fontAlgn="auto" latinLnBrk="0" hangingPunct="1">
+                        <a:lnSpc>
+                          <a:spcPct val="100000"/>
+                        </a:lnSpc>
+                        <a:spcBef>
+                          <a:spcPts val="0"/>
+                        </a:spcBef>
+                        <a:spcAft>
+                          <a:spcPts val="0"/>
+                        </a:spcAft>
+                        <a:buClrTx/>
+                        <a:buSzTx/>
+                        <a:buFontTx/>
+                        <a:buNone/>
+                        <a:tabLst/>
+                        <a:defRPr/>
+                      </a:pPr>
+                      <a:r>
+                        <a:rPr lang="en-US" altLang="zh-TW" sz="1800" b="0" kern="1200" dirty="0">
+                          <a:solidFill>
+                            <a:schemeClr val="tx1"/>
+                          </a:solidFill>
+                          <a:effectLst/>
+                          <a:latin typeface="+mn-lt"/>
+                          <a:ea typeface="+mn-ea"/>
+                          <a:cs typeface="+mn-cs"/>
+                        </a:rPr>
+                        <a:t>Update sensor</a:t>
+                      </a:r>
+                    </a:p>
+                  </a:txBody>
+                  <a:tcPr/>
+                </a:tc>
+                <a:tc>
+                  <a:txBody>
+                    <a:bodyPr/>
+                    <a:lstStyle/>
+                    <a:p>
+                      <a:r>
+                        <a:rPr lang="en-US" altLang="zh-TW" dirty="0"/>
+                        <a:t>11</a:t>
+                      </a:r>
+                      <a:endParaRPr lang="zh-TW" altLang="en-US" dirty="0"/>
+                    </a:p>
+                  </a:txBody>
+                  <a:tcPr/>
+                </a:tc>
+                <a:tc>
+                  <a:txBody>
+                    <a:bodyPr/>
+                    <a:lstStyle/>
+                    <a:p>
+                      <a:endParaRPr lang="zh-TW" altLang="en-US" sz="1200" kern="1200" dirty="0">
+                        <a:solidFill>
+                          <a:schemeClr val="tx1"/>
+                        </a:solidFill>
+                        <a:latin typeface="+mn-lt"/>
+                        <a:ea typeface="+mn-ea"/>
+                        <a:cs typeface="+mn-cs"/>
+                      </a:endParaRPr>
+                    </a:p>
+                  </a:txBody>
+                  <a:tcPr/>
+                </a:tc>
+                <a:extLst>
+                  <a:ext uri="{0D108BD9-81ED-4DB2-BD59-A6C34878D82A}">
+                    <a16:rowId xmlns:a16="http://schemas.microsoft.com/office/drawing/2014/main" val="1474779813"/>
+                  </a:ext>
+                </a:extLst>
+              </a:tr>
+              <a:tr h="370840">
+                <a:tc>
+                  <a:txBody>
+                    <a:bodyPr/>
+                    <a:lstStyle/>
+                    <a:p>
+                      <a:r>
+                        <a:rPr lang="zh-TW" altLang="en-US" dirty="0"/>
+                        <a:t>進入</a:t>
+                      </a:r>
+                      <a:r>
+                        <a:rPr lang="en-US" altLang="zh-TW" dirty="0" err="1"/>
+                        <a:t>fn</a:t>
+                      </a:r>
+                      <a:endParaRPr lang="en-US" altLang="zh-TW" dirty="0"/>
+                    </a:p>
+                  </a:txBody>
+                  <a:tcPr/>
+                </a:tc>
+                <a:tc>
+                  <a:txBody>
+                    <a:bodyPr/>
+                    <a:lstStyle/>
+                    <a:p>
+                      <a:r>
+                        <a:rPr lang="en-US" altLang="zh-TW" dirty="0"/>
+                        <a:t>4</a:t>
+                      </a:r>
+                      <a:endParaRPr lang="zh-TW" altLang="en-US" dirty="0"/>
+                    </a:p>
+                  </a:txBody>
+                  <a:tcPr/>
+                </a:tc>
+                <a:tc>
+                  <a:txBody>
+                    <a:bodyPr/>
+                    <a:lstStyle/>
+                    <a:p>
+                      <a:endParaRPr lang="en-US" altLang="zh-TW" sz="1200" kern="1200" dirty="0">
+                        <a:solidFill>
+                          <a:schemeClr val="tx1"/>
+                        </a:solidFill>
+                        <a:latin typeface="+mn-lt"/>
+                        <a:ea typeface="+mn-ea"/>
+                        <a:cs typeface="+mn-cs"/>
+                      </a:endParaRPr>
+                    </a:p>
+                  </a:txBody>
+                  <a:tcPr/>
+                </a:tc>
+                <a:extLst>
+                  <a:ext uri="{0D108BD9-81ED-4DB2-BD59-A6C34878D82A}">
+                    <a16:rowId xmlns:a16="http://schemas.microsoft.com/office/drawing/2014/main" val="1353130598"/>
+                  </a:ext>
+                </a:extLst>
+              </a:tr>
+              <a:tr h="370840">
+                <a:tc>
+                  <a:txBody>
+                    <a:bodyPr/>
+                    <a:lstStyle/>
+                    <a:p>
+                      <a:r>
+                        <a:rPr lang="zh-TW" altLang="en-US" dirty="0"/>
+                        <a:t>計算</a:t>
+                      </a:r>
+                      <a:r>
+                        <a:rPr lang="en-US" altLang="zh-TW" dirty="0"/>
+                        <a:t>3</a:t>
+                      </a:r>
+                      <a:r>
+                        <a:rPr lang="zh-TW" altLang="en-US" dirty="0"/>
+                        <a:t>軸</a:t>
+                      </a:r>
+                      <a:r>
+                        <a:rPr lang="en-US" altLang="zh-TW" dirty="0"/>
+                        <a:t>gyro sf </a:t>
+                      </a:r>
+                      <a:r>
+                        <a:rPr lang="zh-TW" altLang="en-US" dirty="0"/>
+                        <a:t>溫度校正</a:t>
+                      </a:r>
+                    </a:p>
+                  </a:txBody>
+                  <a:tcPr/>
+                </a:tc>
+                <a:tc>
+                  <a:txBody>
+                    <a:bodyPr/>
+                    <a:lstStyle/>
+                    <a:p>
+                      <a:r>
+                        <a:rPr lang="en-US" altLang="zh-TW" dirty="0">
+                          <a:solidFill>
+                            <a:srgbClr val="FF0000"/>
+                          </a:solidFill>
+                        </a:rPr>
+                        <a:t>1</a:t>
+                      </a:r>
+                      <a:endParaRPr lang="zh-TW" altLang="en-US" dirty="0">
+                        <a:solidFill>
+                          <a:srgbClr val="FF0000"/>
+                        </a:solidFill>
+                      </a:endParaRPr>
+                    </a:p>
+                  </a:txBody>
+                  <a:tcPr/>
+                </a:tc>
+                <a:tc>
+                  <a:txBody>
+                    <a:bodyPr/>
+                    <a:lstStyle/>
+                    <a:p>
+                      <a:pPr marL="0" marR="0" lvl="0" indent="0" algn="l" defTabSz="914400" rtl="0" eaLnBrk="1" fontAlgn="auto" latinLnBrk="0" hangingPunct="1">
+                        <a:lnSpc>
+                          <a:spcPct val="100000"/>
+                        </a:lnSpc>
+                        <a:spcBef>
+                          <a:spcPts val="0"/>
+                        </a:spcBef>
+                        <a:spcAft>
+                          <a:spcPts val="0"/>
+                        </a:spcAft>
+                        <a:buClrTx/>
+                        <a:buSzTx/>
+                        <a:buFontTx/>
+                        <a:buNone/>
+                        <a:tabLst/>
+                        <a:defRPr/>
+                      </a:pPr>
+                      <a:r>
+                        <a:rPr lang="en-US" altLang="zh-TW" sz="1200" kern="1200" dirty="0">
+                          <a:solidFill>
+                            <a:schemeClr val="tx1"/>
+                          </a:solidFill>
+                          <a:latin typeface="+mn-lt"/>
+                          <a:ea typeface="+mn-ea"/>
+                          <a:cs typeface="+mn-cs"/>
+                        </a:rPr>
+                        <a:t>SF_temp_compensation_1st_order_fog(data, </a:t>
+                      </a:r>
+                      <a:r>
+                        <a:rPr lang="en-US" altLang="zh-TW" sz="1200" kern="1200" dirty="0" err="1">
+                          <a:solidFill>
+                            <a:schemeClr val="tx1"/>
+                          </a:solidFill>
+                          <a:latin typeface="+mn-lt"/>
+                          <a:ea typeface="+mn-ea"/>
+                          <a:cs typeface="+mn-cs"/>
+                        </a:rPr>
+                        <a:t>fog_parameter</a:t>
+                      </a:r>
+                      <a:r>
+                        <a:rPr lang="en-US" altLang="zh-TW" sz="1200" kern="1200" dirty="0">
+                          <a:solidFill>
+                            <a:schemeClr val="tx1"/>
+                          </a:solidFill>
+                          <a:latin typeface="+mn-lt"/>
+                          <a:ea typeface="+mn-ea"/>
+                          <a:cs typeface="+mn-cs"/>
+                        </a:rPr>
+                        <a:t>, X_AXIS)</a:t>
+                      </a:r>
+                      <a:endParaRPr lang="zh-TW" altLang="en-US" sz="1200" kern="1200" dirty="0">
+                        <a:solidFill>
+                          <a:schemeClr val="tx1"/>
+                        </a:solidFill>
+                        <a:latin typeface="+mn-lt"/>
+                        <a:ea typeface="+mn-ea"/>
+                        <a:cs typeface="+mn-cs"/>
+                      </a:endParaRPr>
+                    </a:p>
+                    <a:p>
+                      <a:endParaRPr lang="zh-TW" altLang="en-US" sz="1200" kern="1200" dirty="0">
+                        <a:solidFill>
+                          <a:schemeClr val="tx1"/>
+                        </a:solidFill>
+                        <a:latin typeface="+mn-lt"/>
+                        <a:ea typeface="+mn-ea"/>
+                        <a:cs typeface="+mn-cs"/>
+                      </a:endParaRPr>
+                    </a:p>
+                  </a:txBody>
+                  <a:tcPr/>
+                </a:tc>
+                <a:extLst>
+                  <a:ext uri="{0D108BD9-81ED-4DB2-BD59-A6C34878D82A}">
+                    <a16:rowId xmlns:a16="http://schemas.microsoft.com/office/drawing/2014/main" val="3756658266"/>
+                  </a:ext>
+                </a:extLst>
+              </a:tr>
+              <a:tr h="370840">
+                <a:tc>
+                  <a:txBody>
+                    <a:bodyPr/>
+                    <a:lstStyle/>
+                    <a:p>
+                      <a:pPr marL="0" marR="0" lvl="0" indent="0" algn="l" defTabSz="914400" rtl="0" eaLnBrk="1" fontAlgn="auto" latinLnBrk="0" hangingPunct="1">
+                        <a:lnSpc>
+                          <a:spcPct val="100000"/>
+                        </a:lnSpc>
+                        <a:spcBef>
+                          <a:spcPts val="0"/>
+                        </a:spcBef>
+                        <a:spcAft>
+                          <a:spcPts val="0"/>
+                        </a:spcAft>
+                        <a:buClrTx/>
+                        <a:buSzTx/>
+                        <a:buFontTx/>
+                        <a:buNone/>
+                        <a:tabLst/>
+                        <a:defRPr/>
+                      </a:pPr>
+                      <a:r>
+                        <a:rPr lang="zh-TW" altLang="en-US" dirty="0"/>
+                        <a:t>計算</a:t>
+                      </a:r>
+                      <a:r>
+                        <a:rPr lang="en-US" altLang="zh-TW" dirty="0"/>
+                        <a:t>3</a:t>
+                      </a:r>
+                      <a:r>
+                        <a:rPr lang="zh-TW" altLang="en-US" dirty="0"/>
+                        <a:t>軸</a:t>
+                      </a:r>
+                      <a:r>
+                        <a:rPr lang="en-US" altLang="zh-TW" dirty="0"/>
+                        <a:t>acc sf </a:t>
+                      </a:r>
+                      <a:r>
+                        <a:rPr lang="zh-TW" altLang="en-US" dirty="0"/>
+                        <a:t>溫度校正</a:t>
+                      </a:r>
+                    </a:p>
+                  </a:txBody>
+                  <a:tcPr/>
+                </a:tc>
+                <a:tc>
+                  <a:txBody>
+                    <a:bodyPr/>
+                    <a:lstStyle/>
+                    <a:p>
+                      <a:r>
+                        <a:rPr lang="en-US" altLang="zh-TW" dirty="0"/>
+                        <a:t>13</a:t>
+                      </a:r>
+                      <a:endParaRPr lang="zh-TW" altLang="en-US" dirty="0"/>
+                    </a:p>
+                  </a:txBody>
+                  <a:tcPr/>
+                </a:tc>
+                <a:tc>
+                  <a:txBody>
+                    <a:bodyPr/>
+                    <a:lstStyle/>
+                    <a:p>
+                      <a:r>
+                        <a:rPr lang="en-US" altLang="zh-TW" sz="1200" kern="1200" dirty="0">
+                          <a:solidFill>
+                            <a:schemeClr val="tx1"/>
+                          </a:solidFill>
+                          <a:latin typeface="+mn-lt"/>
+                          <a:ea typeface="+mn-ea"/>
+                          <a:cs typeface="+mn-cs"/>
+                        </a:rPr>
+                        <a:t>SF_temp_compensation_1st_order_adxl357(data, </a:t>
+                      </a:r>
+                      <a:r>
+                        <a:rPr lang="en-US" altLang="zh-TW" sz="1200" kern="1200" dirty="0" err="1">
+                          <a:solidFill>
+                            <a:schemeClr val="tx1"/>
+                          </a:solidFill>
+                          <a:latin typeface="+mn-lt"/>
+                          <a:ea typeface="+mn-ea"/>
+                          <a:cs typeface="+mn-cs"/>
+                        </a:rPr>
+                        <a:t>fog_parameter</a:t>
+                      </a:r>
+                      <a:r>
+                        <a:rPr lang="en-US" altLang="zh-TW" sz="1200" kern="1200" dirty="0">
+                          <a:solidFill>
+                            <a:schemeClr val="tx1"/>
+                          </a:solidFill>
+                          <a:latin typeface="+mn-lt"/>
+                          <a:ea typeface="+mn-ea"/>
+                          <a:cs typeface="+mn-cs"/>
+                        </a:rPr>
+                        <a:t>, X_AXIS)</a:t>
+                      </a:r>
+                      <a:endParaRPr lang="zh-TW" altLang="en-US" sz="1200" kern="1200" dirty="0">
+                        <a:solidFill>
+                          <a:schemeClr val="tx1"/>
+                        </a:solidFill>
+                        <a:latin typeface="+mn-lt"/>
+                        <a:ea typeface="+mn-ea"/>
+                        <a:cs typeface="+mn-cs"/>
+                      </a:endParaRPr>
+                    </a:p>
+                  </a:txBody>
+                  <a:tcPr/>
+                </a:tc>
+                <a:extLst>
+                  <a:ext uri="{0D108BD9-81ED-4DB2-BD59-A6C34878D82A}">
+                    <a16:rowId xmlns:a16="http://schemas.microsoft.com/office/drawing/2014/main" val="1983225309"/>
+                  </a:ext>
+                </a:extLst>
+              </a:tr>
+              <a:tr h="370840">
+                <a:tc>
+                  <a:txBody>
+                    <a:bodyPr/>
+                    <a:lstStyle/>
+                    <a:p>
+                      <a:pPr marL="0" marR="0" lvl="0" indent="0" algn="l" defTabSz="914400" rtl="0" eaLnBrk="1" fontAlgn="auto" latinLnBrk="0" hangingPunct="1">
+                        <a:lnSpc>
+                          <a:spcPct val="100000"/>
+                        </a:lnSpc>
+                        <a:spcBef>
+                          <a:spcPts val="0"/>
+                        </a:spcBef>
+                        <a:spcAft>
+                          <a:spcPts val="0"/>
+                        </a:spcAft>
+                        <a:buClrTx/>
+                        <a:buSzTx/>
+                        <a:buFontTx/>
+                        <a:buNone/>
+                        <a:tabLst/>
+                        <a:defRPr/>
+                      </a:pPr>
+                      <a:r>
+                        <a:rPr lang="zh-TW" altLang="en-US" dirty="0"/>
+                        <a:t>計算</a:t>
+                      </a:r>
+                      <a:r>
+                        <a:rPr lang="en-US" altLang="zh-TW" dirty="0"/>
+                        <a:t>3</a:t>
+                      </a:r>
+                      <a:r>
+                        <a:rPr lang="zh-TW" altLang="en-US" dirty="0"/>
+                        <a:t>軸</a:t>
+                      </a:r>
+                      <a:r>
+                        <a:rPr lang="en-US" altLang="zh-TW" dirty="0"/>
+                        <a:t>gyro bias </a:t>
+                      </a:r>
+                      <a:r>
+                        <a:rPr lang="zh-TW" altLang="en-US" dirty="0"/>
+                        <a:t>溫度校正</a:t>
+                      </a:r>
+                    </a:p>
+                  </a:txBody>
+                  <a:tcPr/>
+                </a:tc>
+                <a:tc>
+                  <a:txBody>
+                    <a:bodyPr/>
+                    <a:lstStyle/>
+                    <a:p>
+                      <a:r>
+                        <a:rPr lang="en-US" altLang="zh-TW" dirty="0"/>
+                        <a:t>13</a:t>
+                      </a:r>
+                      <a:endParaRPr lang="zh-TW" altLang="en-US" dirty="0"/>
+                    </a:p>
+                  </a:txBody>
+                  <a:tcPr/>
+                </a:tc>
+                <a:tc>
+                  <a:txBody>
+                    <a:bodyPr/>
+                    <a:lstStyle/>
+                    <a:p>
+                      <a:r>
+                        <a:rPr lang="en-US" altLang="zh-TW" sz="1200" kern="1200" dirty="0">
+                          <a:solidFill>
+                            <a:schemeClr val="tx1"/>
+                          </a:solidFill>
+                          <a:latin typeface="+mn-lt"/>
+                          <a:ea typeface="+mn-ea"/>
+                          <a:cs typeface="+mn-cs"/>
+                        </a:rPr>
+                        <a:t>BIAS_temp_compensation_1st_order_fog_3T(data, </a:t>
+                      </a:r>
+                      <a:r>
+                        <a:rPr lang="en-US" altLang="zh-TW" sz="1200" kern="1200" dirty="0" err="1">
+                          <a:solidFill>
+                            <a:schemeClr val="tx1"/>
+                          </a:solidFill>
+                          <a:latin typeface="+mn-lt"/>
+                          <a:ea typeface="+mn-ea"/>
+                          <a:cs typeface="+mn-cs"/>
+                        </a:rPr>
+                        <a:t>fog_parameter</a:t>
+                      </a:r>
+                      <a:r>
+                        <a:rPr lang="en-US" altLang="zh-TW" sz="1200" kern="1200" dirty="0">
+                          <a:solidFill>
+                            <a:schemeClr val="tx1"/>
+                          </a:solidFill>
+                          <a:latin typeface="+mn-lt"/>
+                          <a:ea typeface="+mn-ea"/>
+                          <a:cs typeface="+mn-cs"/>
+                        </a:rPr>
+                        <a:t>, X_AXIS)</a:t>
+                      </a:r>
+                      <a:endParaRPr lang="zh-TW" altLang="en-US" sz="1200" kern="1200" dirty="0">
+                        <a:solidFill>
+                          <a:schemeClr val="tx1"/>
+                        </a:solidFill>
+                        <a:latin typeface="+mn-lt"/>
+                        <a:ea typeface="+mn-ea"/>
+                        <a:cs typeface="+mn-cs"/>
+                      </a:endParaRPr>
+                    </a:p>
+                  </a:txBody>
+                  <a:tcPr/>
+                </a:tc>
+                <a:extLst>
+                  <a:ext uri="{0D108BD9-81ED-4DB2-BD59-A6C34878D82A}">
+                    <a16:rowId xmlns:a16="http://schemas.microsoft.com/office/drawing/2014/main" val="2435598404"/>
+                  </a:ext>
+                </a:extLst>
+              </a:tr>
+              <a:tr h="370840">
+                <a:tc>
+                  <a:txBody>
+                    <a:bodyPr/>
+                    <a:lstStyle/>
+                    <a:p>
+                      <a:pPr marL="0" marR="0" lvl="0" indent="0" algn="l" defTabSz="914400" rtl="0" eaLnBrk="1" fontAlgn="auto" latinLnBrk="0" hangingPunct="1">
+                        <a:lnSpc>
+                          <a:spcPct val="100000"/>
+                        </a:lnSpc>
+                        <a:spcBef>
+                          <a:spcPts val="0"/>
+                        </a:spcBef>
+                        <a:spcAft>
+                          <a:spcPts val="0"/>
+                        </a:spcAft>
+                        <a:buClrTx/>
+                        <a:buSzTx/>
+                        <a:buFontTx/>
+                        <a:buNone/>
+                        <a:tabLst/>
+                        <a:defRPr/>
+                      </a:pPr>
+                      <a:r>
+                        <a:rPr lang="zh-TW" altLang="en-US" dirty="0"/>
+                        <a:t>計算</a:t>
+                      </a:r>
+                      <a:r>
+                        <a:rPr lang="en-US" altLang="zh-TW" dirty="0"/>
+                        <a:t>3</a:t>
+                      </a:r>
+                      <a:r>
+                        <a:rPr lang="zh-TW" altLang="en-US" dirty="0"/>
+                        <a:t>軸</a:t>
+                      </a:r>
+                      <a:r>
+                        <a:rPr lang="en-US" altLang="zh-TW" dirty="0"/>
+                        <a:t>acc bias </a:t>
+                      </a:r>
+                      <a:r>
+                        <a:rPr lang="zh-TW" altLang="en-US" dirty="0"/>
+                        <a:t>溫度校正</a:t>
+                      </a:r>
+                    </a:p>
+                  </a:txBody>
+                  <a:tcPr/>
+                </a:tc>
+                <a:tc>
+                  <a:txBody>
+                    <a:bodyPr/>
+                    <a:lstStyle/>
+                    <a:p>
+                      <a:r>
+                        <a:rPr lang="en-US" altLang="zh-TW" dirty="0"/>
+                        <a:t>13</a:t>
+                      </a:r>
+                      <a:endParaRPr lang="zh-TW" altLang="en-US" dirty="0"/>
+                    </a:p>
+                  </a:txBody>
+                  <a:tcPr/>
+                </a:tc>
+                <a:tc>
+                  <a:txBody>
+                    <a:bodyPr/>
+                    <a:lstStyle/>
+                    <a:p>
+                      <a:r>
+                        <a:rPr lang="en-US" altLang="zh-TW" sz="1200" kern="1200" dirty="0">
+                          <a:solidFill>
+                            <a:schemeClr val="tx1"/>
+                          </a:solidFill>
+                          <a:latin typeface="+mn-lt"/>
+                          <a:ea typeface="+mn-ea"/>
+                          <a:cs typeface="+mn-cs"/>
+                        </a:rPr>
+                        <a:t>BIAS_temp_compensation_1st_order_adxl357(data, </a:t>
+                      </a:r>
+                      <a:r>
+                        <a:rPr lang="en-US" altLang="zh-TW" sz="1200" kern="1200" dirty="0" err="1">
+                          <a:solidFill>
+                            <a:schemeClr val="tx1"/>
+                          </a:solidFill>
+                          <a:latin typeface="+mn-lt"/>
+                          <a:ea typeface="+mn-ea"/>
+                          <a:cs typeface="+mn-cs"/>
+                        </a:rPr>
+                        <a:t>fog_parameter</a:t>
+                      </a:r>
+                      <a:r>
+                        <a:rPr lang="en-US" altLang="zh-TW" sz="1200" kern="1200" dirty="0">
+                          <a:solidFill>
+                            <a:schemeClr val="tx1"/>
+                          </a:solidFill>
+                          <a:latin typeface="+mn-lt"/>
+                          <a:ea typeface="+mn-ea"/>
+                          <a:cs typeface="+mn-cs"/>
+                        </a:rPr>
+                        <a:t>, X_AXIS)</a:t>
+                      </a:r>
+                      <a:endParaRPr lang="zh-TW" altLang="en-US" sz="1200" kern="1200" dirty="0">
+                        <a:solidFill>
+                          <a:schemeClr val="tx1"/>
+                        </a:solidFill>
+                        <a:latin typeface="+mn-lt"/>
+                        <a:ea typeface="+mn-ea"/>
+                        <a:cs typeface="+mn-cs"/>
+                      </a:endParaRPr>
+                    </a:p>
+                  </a:txBody>
+                  <a:tcPr/>
+                </a:tc>
+                <a:extLst>
+                  <a:ext uri="{0D108BD9-81ED-4DB2-BD59-A6C34878D82A}">
+                    <a16:rowId xmlns:a16="http://schemas.microsoft.com/office/drawing/2014/main" val="2737955572"/>
+                  </a:ext>
+                </a:extLst>
+              </a:tr>
+              <a:tr h="370840">
+                <a:tc>
+                  <a:txBody>
+                    <a:bodyPr/>
+                    <a:lstStyle/>
+                    <a:p>
+                      <a:pPr marL="0" marR="0" lvl="0" indent="0" algn="l" defTabSz="914400" rtl="0" eaLnBrk="1" fontAlgn="auto" latinLnBrk="0" hangingPunct="1">
+                        <a:lnSpc>
+                          <a:spcPct val="100000"/>
+                        </a:lnSpc>
+                        <a:spcBef>
+                          <a:spcPts val="0"/>
+                        </a:spcBef>
+                        <a:spcAft>
+                          <a:spcPts val="0"/>
+                        </a:spcAft>
+                        <a:buClrTx/>
+                        <a:buSzTx/>
+                        <a:buFontTx/>
+                        <a:buNone/>
+                        <a:tabLst/>
+                        <a:defRPr/>
+                      </a:pPr>
+                      <a:r>
+                        <a:rPr lang="zh-TW" altLang="en-US" dirty="0"/>
+                        <a:t>使用校正好的</a:t>
+                      </a:r>
+                      <a:r>
+                        <a:rPr lang="en-US" altLang="zh-TW" dirty="0"/>
+                        <a:t>gyro sf</a:t>
+                      </a:r>
+                      <a:r>
+                        <a:rPr lang="zh-TW" altLang="en-US" dirty="0"/>
+                        <a:t>與</a:t>
+                      </a:r>
+                      <a:r>
+                        <a:rPr lang="en-US" altLang="zh-TW" dirty="0"/>
+                        <a:t>bias</a:t>
+                      </a:r>
+                      <a:r>
+                        <a:rPr lang="zh-TW" altLang="en-US" dirty="0"/>
+                        <a:t>做運算</a:t>
+                      </a:r>
+                    </a:p>
+                  </a:txBody>
+                  <a:tcPr/>
+                </a:tc>
+                <a:tc>
+                  <a:txBody>
+                    <a:bodyPr/>
+                    <a:lstStyle/>
+                    <a:p>
+                      <a:r>
+                        <a:rPr lang="en-US" altLang="zh-TW" dirty="0"/>
+                        <a:t>1</a:t>
+                      </a:r>
+                      <a:endParaRPr lang="zh-TW" altLang="en-US" dirty="0"/>
+                    </a:p>
+                  </a:txBody>
+                  <a:tcPr/>
+                </a:tc>
+                <a:tc>
+                  <a:txBody>
+                    <a:bodyPr/>
+                    <a:lstStyle/>
+                    <a:p>
+                      <a:r>
+                        <a:rPr lang="en-US" altLang="zh-TW" sz="1200" kern="1200" dirty="0" err="1">
+                          <a:solidFill>
+                            <a:schemeClr val="tx1"/>
+                          </a:solidFill>
+                          <a:latin typeface="+mn-lt"/>
+                          <a:ea typeface="+mn-ea"/>
+                          <a:cs typeface="+mn-cs"/>
+                        </a:rPr>
+                        <a:t>data.fog.fogx.step.float_val</a:t>
+                      </a:r>
+                      <a:r>
+                        <a:rPr lang="en-US" altLang="zh-TW" sz="1200" kern="1200" dirty="0">
+                          <a:solidFill>
+                            <a:schemeClr val="tx1"/>
+                          </a:solidFill>
+                          <a:latin typeface="+mn-lt"/>
+                          <a:ea typeface="+mn-ea"/>
+                          <a:cs typeface="+mn-cs"/>
+                        </a:rPr>
+                        <a:t> * </a:t>
+                      </a:r>
+                      <a:r>
+                        <a:rPr lang="en-US" altLang="zh-TW" sz="1200" kern="1200" dirty="0" err="1">
+                          <a:solidFill>
+                            <a:schemeClr val="tx1"/>
+                          </a:solidFill>
+                          <a:latin typeface="+mn-lt"/>
+                          <a:ea typeface="+mn-ea"/>
+                          <a:cs typeface="+mn-cs"/>
+                        </a:rPr>
+                        <a:t>sf_x_comp_gyro</a:t>
+                      </a:r>
+                      <a:r>
+                        <a:rPr lang="en-US" altLang="zh-TW" sz="1200" kern="1200" dirty="0">
+                          <a:solidFill>
+                            <a:schemeClr val="tx1"/>
+                          </a:solidFill>
+                          <a:latin typeface="+mn-lt"/>
+                          <a:ea typeface="+mn-ea"/>
+                          <a:cs typeface="+mn-cs"/>
+                        </a:rPr>
+                        <a:t> - </a:t>
+                      </a:r>
+                      <a:r>
+                        <a:rPr lang="en-US" altLang="zh-TW" sz="1200" kern="1200" dirty="0" err="1">
+                          <a:solidFill>
+                            <a:schemeClr val="tx1"/>
+                          </a:solidFill>
+                          <a:latin typeface="+mn-lt"/>
+                          <a:ea typeface="+mn-ea"/>
+                          <a:cs typeface="+mn-cs"/>
+                        </a:rPr>
+                        <a:t>bias_x_comp_gyro</a:t>
+                      </a:r>
+                      <a:endParaRPr lang="zh-TW" altLang="en-US" sz="1200" kern="1200" dirty="0">
+                        <a:solidFill>
+                          <a:schemeClr val="tx1"/>
+                        </a:solidFill>
+                        <a:latin typeface="+mn-lt"/>
+                        <a:ea typeface="+mn-ea"/>
+                        <a:cs typeface="+mn-cs"/>
+                      </a:endParaRPr>
+                    </a:p>
+                  </a:txBody>
+                  <a:tcPr/>
+                </a:tc>
+                <a:extLst>
+                  <a:ext uri="{0D108BD9-81ED-4DB2-BD59-A6C34878D82A}">
+                    <a16:rowId xmlns:a16="http://schemas.microsoft.com/office/drawing/2014/main" val="3234130450"/>
+                  </a:ext>
+                </a:extLst>
+              </a:tr>
+              <a:tr h="370840">
+                <a:tc>
+                  <a:txBody>
+                    <a:bodyPr/>
+                    <a:lstStyle/>
+                    <a:p>
+                      <a:pPr marL="0" marR="0" lvl="0" indent="0" algn="l" defTabSz="914400" rtl="0" eaLnBrk="1" fontAlgn="auto" latinLnBrk="0" hangingPunct="1">
+                        <a:lnSpc>
+                          <a:spcPct val="100000"/>
+                        </a:lnSpc>
+                        <a:spcBef>
+                          <a:spcPts val="0"/>
+                        </a:spcBef>
+                        <a:spcAft>
+                          <a:spcPts val="0"/>
+                        </a:spcAft>
+                        <a:buClrTx/>
+                        <a:buSzTx/>
+                        <a:buFontTx/>
+                        <a:buNone/>
+                        <a:tabLst/>
+                        <a:defRPr/>
+                      </a:pPr>
+                      <a:r>
+                        <a:rPr lang="zh-TW" altLang="en-US" dirty="0"/>
+                        <a:t>使用校正好的</a:t>
+                      </a:r>
+                      <a:r>
+                        <a:rPr lang="en-US" altLang="zh-TW" dirty="0"/>
+                        <a:t>acc sf</a:t>
+                      </a:r>
+                      <a:r>
+                        <a:rPr lang="zh-TW" altLang="en-US" dirty="0"/>
+                        <a:t>與</a:t>
+                      </a:r>
+                      <a:r>
+                        <a:rPr lang="en-US" altLang="zh-TW" dirty="0"/>
+                        <a:t>bias</a:t>
+                      </a:r>
+                      <a:r>
+                        <a:rPr lang="zh-TW" altLang="en-US" dirty="0"/>
+                        <a:t>做運算</a:t>
+                      </a:r>
+                    </a:p>
+                  </a:txBody>
+                  <a:tcPr/>
+                </a:tc>
+                <a:tc>
+                  <a:txBody>
+                    <a:bodyPr/>
+                    <a:lstStyle/>
+                    <a:p>
+                      <a:r>
+                        <a:rPr lang="en-US" altLang="zh-TW" dirty="0"/>
+                        <a:t>1</a:t>
+                      </a:r>
+                      <a:endParaRPr lang="zh-TW" altLang="en-US" dirty="0"/>
+                    </a:p>
+                  </a:txBody>
+                  <a:tcPr/>
+                </a:tc>
+                <a:tc>
+                  <a:txBody>
+                    <a:bodyPr/>
+                    <a:lstStyle/>
+                    <a:p>
+                      <a:r>
+                        <a:rPr lang="en-US" altLang="zh-TW" sz="1200" kern="1200" dirty="0">
+                          <a:solidFill>
+                            <a:schemeClr val="tx1"/>
+                          </a:solidFill>
+                          <a:latin typeface="+mn-lt"/>
+                          <a:ea typeface="+mn-ea"/>
+                          <a:cs typeface="+mn-cs"/>
+                        </a:rPr>
+                        <a:t>data.adxl357.ax.float_val * </a:t>
+                      </a:r>
+                      <a:r>
+                        <a:rPr lang="en-US" altLang="zh-TW" sz="1200" kern="1200" dirty="0" err="1">
+                          <a:solidFill>
+                            <a:schemeClr val="tx1"/>
+                          </a:solidFill>
+                          <a:latin typeface="+mn-lt"/>
+                          <a:ea typeface="+mn-ea"/>
+                          <a:cs typeface="+mn-cs"/>
+                        </a:rPr>
+                        <a:t>sf_x_comp_accl</a:t>
+                      </a:r>
+                      <a:r>
+                        <a:rPr lang="en-US" altLang="zh-TW" sz="1200" kern="1200" dirty="0">
+                          <a:solidFill>
+                            <a:schemeClr val="tx1"/>
+                          </a:solidFill>
+                          <a:latin typeface="+mn-lt"/>
+                          <a:ea typeface="+mn-ea"/>
+                          <a:cs typeface="+mn-cs"/>
+                        </a:rPr>
+                        <a:t> - </a:t>
+                      </a:r>
+                      <a:r>
+                        <a:rPr lang="en-US" altLang="zh-TW" sz="1200" kern="1200" dirty="0" err="1">
+                          <a:solidFill>
+                            <a:schemeClr val="tx1"/>
+                          </a:solidFill>
+                          <a:latin typeface="+mn-lt"/>
+                          <a:ea typeface="+mn-ea"/>
+                          <a:cs typeface="+mn-cs"/>
+                        </a:rPr>
+                        <a:t>bias_x_comp_accl</a:t>
+                      </a:r>
+                      <a:endParaRPr lang="zh-TW" altLang="en-US" sz="1200" kern="1200" dirty="0">
+                        <a:solidFill>
+                          <a:schemeClr val="tx1"/>
+                        </a:solidFill>
+                        <a:latin typeface="+mn-lt"/>
+                        <a:ea typeface="+mn-ea"/>
+                        <a:cs typeface="+mn-cs"/>
+                      </a:endParaRPr>
+                    </a:p>
+                  </a:txBody>
+                  <a:tcPr/>
+                </a:tc>
+                <a:extLst>
+                  <a:ext uri="{0D108BD9-81ED-4DB2-BD59-A6C34878D82A}">
+                    <a16:rowId xmlns:a16="http://schemas.microsoft.com/office/drawing/2014/main" val="4180023794"/>
+                  </a:ext>
+                </a:extLst>
+              </a:tr>
+              <a:tr h="370840">
+                <a:tc>
+                  <a:txBody>
+                    <a:bodyPr/>
+                    <a:lstStyle/>
+                    <a:p>
+                      <a:pPr marL="0" marR="0" lvl="0" indent="0" algn="l" defTabSz="914400" rtl="0" eaLnBrk="1" fontAlgn="auto" latinLnBrk="0" hangingPunct="1">
+                        <a:lnSpc>
+                          <a:spcPct val="100000"/>
+                        </a:lnSpc>
+                        <a:spcBef>
+                          <a:spcPts val="0"/>
+                        </a:spcBef>
+                        <a:spcAft>
+                          <a:spcPts val="0"/>
+                        </a:spcAft>
+                        <a:buClrTx/>
+                        <a:buSzTx/>
+                        <a:buFontTx/>
+                        <a:buNone/>
+                        <a:tabLst/>
+                        <a:defRPr/>
+                      </a:pPr>
+                      <a:r>
+                        <a:rPr lang="zh-TW" altLang="en-US" dirty="0"/>
+                        <a:t>計算</a:t>
+                      </a:r>
+                      <a:r>
+                        <a:rPr lang="en-US" altLang="zh-TW" dirty="0"/>
+                        <a:t>gyro mis-align</a:t>
+                      </a:r>
+                      <a:endParaRPr lang="zh-TW" altLang="en-US" dirty="0"/>
+                    </a:p>
+                  </a:txBody>
+                  <a:tcPr/>
+                </a:tc>
+                <a:tc>
+                  <a:txBody>
+                    <a:bodyPr/>
+                    <a:lstStyle/>
+                    <a:p>
+                      <a:r>
+                        <a:rPr lang="en-US" altLang="zh-TW" dirty="0"/>
+                        <a:t>8</a:t>
+                      </a:r>
+                      <a:endParaRPr lang="zh-TW" altLang="en-US" dirty="0"/>
+                    </a:p>
+                  </a:txBody>
+                  <a:tcPr/>
+                </a:tc>
+                <a:tc>
+                  <a:txBody>
+                    <a:bodyPr/>
+                    <a:lstStyle/>
+                    <a:p>
+                      <a:r>
+                        <a:rPr lang="en-US" altLang="zh-TW" sz="1200" kern="1200" dirty="0" err="1">
+                          <a:solidFill>
+                            <a:schemeClr val="tx1"/>
+                          </a:solidFill>
+                          <a:latin typeface="+mn-lt"/>
+                          <a:ea typeface="+mn-ea"/>
+                          <a:cs typeface="+mn-cs"/>
+                        </a:rPr>
+                        <a:t>misalignment_calibration</a:t>
+                      </a:r>
+                      <a:r>
+                        <a:rPr lang="en-US" altLang="zh-TW" sz="1200" kern="1200" dirty="0">
+                          <a:solidFill>
+                            <a:schemeClr val="tx1"/>
+                          </a:solidFill>
+                          <a:latin typeface="+mn-lt"/>
+                          <a:ea typeface="+mn-ea"/>
+                          <a:cs typeface="+mn-cs"/>
+                        </a:rPr>
+                        <a:t>(</a:t>
+                      </a:r>
+                      <a:r>
+                        <a:rPr lang="en-US" altLang="zh-TW" sz="1200" kern="1200" dirty="0" err="1">
+                          <a:solidFill>
+                            <a:schemeClr val="tx1"/>
+                          </a:solidFill>
+                          <a:latin typeface="+mn-lt"/>
+                          <a:ea typeface="+mn-ea"/>
+                          <a:cs typeface="+mn-cs"/>
+                        </a:rPr>
+                        <a:t>step_x_comp</a:t>
+                      </a:r>
+                      <a:r>
+                        <a:rPr lang="en-US" altLang="zh-TW" sz="1200" kern="1200" dirty="0">
+                          <a:solidFill>
+                            <a:schemeClr val="tx1"/>
+                          </a:solidFill>
+                          <a:latin typeface="+mn-lt"/>
+                          <a:ea typeface="+mn-ea"/>
+                          <a:cs typeface="+mn-cs"/>
+                        </a:rPr>
+                        <a:t>, </a:t>
+                      </a:r>
+                      <a:r>
+                        <a:rPr lang="en-US" altLang="zh-TW" sz="1200" kern="1200" dirty="0" err="1">
+                          <a:solidFill>
+                            <a:schemeClr val="tx1"/>
+                          </a:solidFill>
+                          <a:latin typeface="+mn-lt"/>
+                          <a:ea typeface="+mn-ea"/>
+                          <a:cs typeface="+mn-cs"/>
+                        </a:rPr>
+                        <a:t>step_y_comp</a:t>
+                      </a:r>
+                      <a:r>
+                        <a:rPr lang="en-US" altLang="zh-TW" sz="1200" kern="1200" dirty="0">
+                          <a:solidFill>
+                            <a:schemeClr val="tx1"/>
+                          </a:solidFill>
+                          <a:latin typeface="+mn-lt"/>
+                          <a:ea typeface="+mn-ea"/>
+                          <a:cs typeface="+mn-cs"/>
+                        </a:rPr>
+                        <a:t>, </a:t>
+                      </a:r>
+                      <a:r>
+                        <a:rPr lang="en-US" altLang="zh-TW" sz="1200" kern="1200" dirty="0" err="1">
+                          <a:solidFill>
+                            <a:schemeClr val="tx1"/>
+                          </a:solidFill>
+                          <a:latin typeface="+mn-lt"/>
+                          <a:ea typeface="+mn-ea"/>
+                          <a:cs typeface="+mn-cs"/>
+                        </a:rPr>
+                        <a:t>step_z_comp</a:t>
+                      </a:r>
+                      <a:r>
+                        <a:rPr lang="en-US" altLang="zh-TW" sz="1200" kern="1200" dirty="0">
+                          <a:solidFill>
+                            <a:schemeClr val="tx1"/>
+                          </a:solidFill>
+                          <a:latin typeface="+mn-lt"/>
+                          <a:ea typeface="+mn-ea"/>
+                          <a:cs typeface="+mn-cs"/>
+                        </a:rPr>
+                        <a:t>, </a:t>
+                      </a:r>
+                      <a:r>
+                        <a:rPr lang="en-US" altLang="zh-TW" sz="1200" kern="1200" dirty="0" err="1">
+                          <a:solidFill>
+                            <a:schemeClr val="tx1"/>
+                          </a:solidFill>
+                          <a:latin typeface="+mn-lt"/>
+                          <a:ea typeface="+mn-ea"/>
+                          <a:cs typeface="+mn-cs"/>
+                        </a:rPr>
+                        <a:t>fog_parameter</a:t>
+                      </a:r>
+                      <a:r>
+                        <a:rPr lang="en-US" altLang="zh-TW" sz="1200" kern="1200" dirty="0">
+                          <a:solidFill>
+                            <a:schemeClr val="tx1"/>
+                          </a:solidFill>
+                          <a:latin typeface="+mn-lt"/>
+                          <a:ea typeface="+mn-ea"/>
+                          <a:cs typeface="+mn-cs"/>
+                        </a:rPr>
+                        <a:t>, MIS_CALI_GYRO)</a:t>
+                      </a:r>
+                      <a:endParaRPr lang="zh-TW" altLang="en-US" sz="1200" kern="1200" dirty="0">
+                        <a:solidFill>
+                          <a:schemeClr val="tx1"/>
+                        </a:solidFill>
+                        <a:latin typeface="+mn-lt"/>
+                        <a:ea typeface="+mn-ea"/>
+                        <a:cs typeface="+mn-cs"/>
+                      </a:endParaRPr>
+                    </a:p>
+                  </a:txBody>
+                  <a:tcPr/>
+                </a:tc>
+                <a:extLst>
+                  <a:ext uri="{0D108BD9-81ED-4DB2-BD59-A6C34878D82A}">
+                    <a16:rowId xmlns:a16="http://schemas.microsoft.com/office/drawing/2014/main" val="1003359490"/>
+                  </a:ext>
+                </a:extLst>
+              </a:tr>
+              <a:tr h="370840">
+                <a:tc>
+                  <a:txBody>
+                    <a:bodyPr/>
+                    <a:lstStyle/>
+                    <a:p>
+                      <a:pPr marL="0" marR="0" lvl="0" indent="0" algn="l" defTabSz="914400" rtl="0" eaLnBrk="1" fontAlgn="auto" latinLnBrk="0" hangingPunct="1">
+                        <a:lnSpc>
+                          <a:spcPct val="100000"/>
+                        </a:lnSpc>
+                        <a:spcBef>
+                          <a:spcPts val="0"/>
+                        </a:spcBef>
+                        <a:spcAft>
+                          <a:spcPts val="0"/>
+                        </a:spcAft>
+                        <a:buClrTx/>
+                        <a:buSzTx/>
+                        <a:buFontTx/>
+                        <a:buNone/>
+                        <a:tabLst/>
+                        <a:defRPr/>
+                      </a:pPr>
+                      <a:r>
+                        <a:rPr lang="zh-TW" altLang="en-US" dirty="0"/>
+                        <a:t>計算</a:t>
+                      </a:r>
+                      <a:r>
+                        <a:rPr lang="en-US" altLang="zh-TW" dirty="0"/>
+                        <a:t>acc mis-align</a:t>
+                      </a:r>
+                      <a:endParaRPr lang="zh-TW" altLang="en-US" dirty="0"/>
+                    </a:p>
+                  </a:txBody>
+                  <a:tcPr/>
+                </a:tc>
+                <a:tc>
+                  <a:txBody>
+                    <a:bodyPr/>
+                    <a:lstStyle/>
+                    <a:p>
+                      <a:r>
+                        <a:rPr lang="en-US" altLang="zh-TW" dirty="0"/>
+                        <a:t>10</a:t>
+                      </a:r>
+                      <a:endParaRPr lang="zh-TW" altLang="en-US" dirty="0"/>
+                    </a:p>
+                  </a:txBody>
+                  <a:tcPr/>
+                </a:tc>
+                <a:tc>
+                  <a:txBody>
+                    <a:bodyPr/>
+                    <a:lstStyle/>
+                    <a:p>
+                      <a:endParaRPr lang="zh-TW" altLang="en-US" sz="1200" kern="1200" dirty="0">
+                        <a:solidFill>
+                          <a:schemeClr val="tx1"/>
+                        </a:solidFill>
+                        <a:latin typeface="+mn-lt"/>
+                        <a:ea typeface="+mn-ea"/>
+                        <a:cs typeface="+mn-cs"/>
+                      </a:endParaRPr>
+                    </a:p>
+                  </a:txBody>
+                  <a:tcPr/>
+                </a:tc>
+                <a:extLst>
+                  <a:ext uri="{0D108BD9-81ED-4DB2-BD59-A6C34878D82A}">
+                    <a16:rowId xmlns:a16="http://schemas.microsoft.com/office/drawing/2014/main" val="692950882"/>
+                  </a:ext>
+                </a:extLst>
+              </a:tr>
+              <a:tr h="370840">
+                <a:tc>
+                  <a:txBody>
+                    <a:bodyPr/>
+                    <a:lstStyle/>
+                    <a:p>
+                      <a:pPr marL="0" marR="0" lvl="0" indent="0" algn="l" defTabSz="914400" rtl="0" eaLnBrk="1" fontAlgn="auto" latinLnBrk="0" hangingPunct="1">
+                        <a:lnSpc>
+                          <a:spcPct val="100000"/>
+                        </a:lnSpc>
+                        <a:spcBef>
+                          <a:spcPts val="0"/>
+                        </a:spcBef>
+                        <a:spcAft>
+                          <a:spcPts val="0"/>
+                        </a:spcAft>
+                        <a:buClrTx/>
+                        <a:buSzTx/>
+                        <a:buFontTx/>
+                        <a:buNone/>
+                        <a:tabLst/>
+                        <a:defRPr/>
+                      </a:pPr>
+                      <a:r>
+                        <a:rPr lang="zh-TW" altLang="en-US" dirty="0"/>
+                        <a:t>計算</a:t>
+                      </a:r>
+                      <a:r>
+                        <a:rPr lang="en-US" altLang="zh-TW" dirty="0"/>
+                        <a:t>CRC</a:t>
+                      </a:r>
+                      <a:endParaRPr lang="zh-TW" altLang="en-US" dirty="0"/>
+                    </a:p>
+                  </a:txBody>
+                  <a:tcPr/>
+                </a:tc>
+                <a:tc>
+                  <a:txBody>
+                    <a:bodyPr/>
+                    <a:lstStyle/>
+                    <a:p>
+                      <a:r>
+                        <a:rPr lang="en-US" altLang="zh-TW" dirty="0"/>
+                        <a:t>18</a:t>
+                      </a:r>
+                      <a:endParaRPr lang="zh-TW" altLang="en-US" dirty="0"/>
+                    </a:p>
+                  </a:txBody>
+                  <a:tcPr/>
+                </a:tc>
+                <a:tc>
+                  <a:txBody>
+                    <a:bodyPr/>
+                    <a:lstStyle/>
+                    <a:p>
+                      <a:endParaRPr lang="zh-TW" altLang="en-US" sz="1200" kern="1200" dirty="0">
+                        <a:solidFill>
+                          <a:schemeClr val="tx1"/>
+                        </a:solidFill>
+                        <a:latin typeface="+mn-lt"/>
+                        <a:ea typeface="+mn-ea"/>
+                        <a:cs typeface="+mn-cs"/>
+                      </a:endParaRPr>
+                    </a:p>
+                  </a:txBody>
+                  <a:tcPr/>
+                </a:tc>
+                <a:extLst>
+                  <a:ext uri="{0D108BD9-81ED-4DB2-BD59-A6C34878D82A}">
+                    <a16:rowId xmlns:a16="http://schemas.microsoft.com/office/drawing/2014/main" val="1713078717"/>
+                  </a:ext>
+                </a:extLst>
+              </a:tr>
+            </a:tbl>
+          </a:graphicData>
+        </a:graphic>
+      </p:graphicFrame>
+    </p:spTree>
+    <p:extLst>
+      <p:ext uri="{BB962C8B-B14F-4D97-AF65-F5344CB8AC3E}">
+        <p14:creationId xmlns:p14="http://schemas.microsoft.com/office/powerpoint/2010/main" val="1217403019"/>
       </p:ext>
     </p:extLst>
   </p:cSld>

--- a/intel_IP/IRIS/HW_IP/Interface/花費時間測試.pptx
+++ b/intel_IP/IRIS/HW_IP/Interface/花費時間測試.pptx
@@ -267,7 +267,7 @@
           <a:p>
             <a:fld id="{D00A4B60-BDF3-405B-BFB5-EBEA521839A2}" type="datetimeFigureOut">
               <a:rPr lang="zh-TW" altLang="en-US" smtClean="0"/>
-              <a:t>2025/5/23</a:t>
+              <a:t>2025/5/24</a:t>
             </a:fld>
             <a:endParaRPr lang="zh-TW" altLang="en-US"/>
           </a:p>
@@ -465,7 +465,7 @@
           <a:p>
             <a:fld id="{D00A4B60-BDF3-405B-BFB5-EBEA521839A2}" type="datetimeFigureOut">
               <a:rPr lang="zh-TW" altLang="en-US" smtClean="0"/>
-              <a:t>2025/5/23</a:t>
+              <a:t>2025/5/24</a:t>
             </a:fld>
             <a:endParaRPr lang="zh-TW" altLang="en-US"/>
           </a:p>
@@ -673,7 +673,7 @@
           <a:p>
             <a:fld id="{D00A4B60-BDF3-405B-BFB5-EBEA521839A2}" type="datetimeFigureOut">
               <a:rPr lang="zh-TW" altLang="en-US" smtClean="0"/>
-              <a:t>2025/5/23</a:t>
+              <a:t>2025/5/24</a:t>
             </a:fld>
             <a:endParaRPr lang="zh-TW" altLang="en-US"/>
           </a:p>
@@ -871,7 +871,7 @@
           <a:p>
             <a:fld id="{D00A4B60-BDF3-405B-BFB5-EBEA521839A2}" type="datetimeFigureOut">
               <a:rPr lang="zh-TW" altLang="en-US" smtClean="0"/>
-              <a:t>2025/5/23</a:t>
+              <a:t>2025/5/24</a:t>
             </a:fld>
             <a:endParaRPr lang="zh-TW" altLang="en-US"/>
           </a:p>
@@ -1146,7 +1146,7 @@
           <a:p>
             <a:fld id="{D00A4B60-BDF3-405B-BFB5-EBEA521839A2}" type="datetimeFigureOut">
               <a:rPr lang="zh-TW" altLang="en-US" smtClean="0"/>
-              <a:t>2025/5/23</a:t>
+              <a:t>2025/5/24</a:t>
             </a:fld>
             <a:endParaRPr lang="zh-TW" altLang="en-US"/>
           </a:p>
@@ -1411,7 +1411,7 @@
           <a:p>
             <a:fld id="{D00A4B60-BDF3-405B-BFB5-EBEA521839A2}" type="datetimeFigureOut">
               <a:rPr lang="zh-TW" altLang="en-US" smtClean="0"/>
-              <a:t>2025/5/23</a:t>
+              <a:t>2025/5/24</a:t>
             </a:fld>
             <a:endParaRPr lang="zh-TW" altLang="en-US"/>
           </a:p>
@@ -1823,7 +1823,7 @@
           <a:p>
             <a:fld id="{D00A4B60-BDF3-405B-BFB5-EBEA521839A2}" type="datetimeFigureOut">
               <a:rPr lang="zh-TW" altLang="en-US" smtClean="0"/>
-              <a:t>2025/5/23</a:t>
+              <a:t>2025/5/24</a:t>
             </a:fld>
             <a:endParaRPr lang="zh-TW" altLang="en-US"/>
           </a:p>
@@ -1964,7 +1964,7 @@
           <a:p>
             <a:fld id="{D00A4B60-BDF3-405B-BFB5-EBEA521839A2}" type="datetimeFigureOut">
               <a:rPr lang="zh-TW" altLang="en-US" smtClean="0"/>
-              <a:t>2025/5/23</a:t>
+              <a:t>2025/5/24</a:t>
             </a:fld>
             <a:endParaRPr lang="zh-TW" altLang="en-US"/>
           </a:p>
@@ -2077,7 +2077,7 @@
           <a:p>
             <a:fld id="{D00A4B60-BDF3-405B-BFB5-EBEA521839A2}" type="datetimeFigureOut">
               <a:rPr lang="zh-TW" altLang="en-US" smtClean="0"/>
-              <a:t>2025/5/23</a:t>
+              <a:t>2025/5/24</a:t>
             </a:fld>
             <a:endParaRPr lang="zh-TW" altLang="en-US"/>
           </a:p>
@@ -2388,7 +2388,7 @@
           <a:p>
             <a:fld id="{D00A4B60-BDF3-405B-BFB5-EBEA521839A2}" type="datetimeFigureOut">
               <a:rPr lang="zh-TW" altLang="en-US" smtClean="0"/>
-              <a:t>2025/5/23</a:t>
+              <a:t>2025/5/24</a:t>
             </a:fld>
             <a:endParaRPr lang="zh-TW" altLang="en-US"/>
           </a:p>
@@ -2676,7 +2676,7 @@
           <a:p>
             <a:fld id="{D00A4B60-BDF3-405B-BFB5-EBEA521839A2}" type="datetimeFigureOut">
               <a:rPr lang="zh-TW" altLang="en-US" smtClean="0"/>
-              <a:t>2025/5/23</a:t>
+              <a:t>2025/5/24</a:t>
             </a:fld>
             <a:endParaRPr lang="zh-TW" altLang="en-US"/>
           </a:p>
@@ -2917,7 +2917,7 @@
           <a:p>
             <a:fld id="{D00A4B60-BDF3-405B-BFB5-EBEA521839A2}" type="datetimeFigureOut">
               <a:rPr lang="zh-TW" altLang="en-US" smtClean="0"/>
-              <a:t>2025/5/23</a:t>
+              <a:t>2025/5/24</a:t>
             </a:fld>
             <a:endParaRPr lang="zh-TW" altLang="en-US"/>
           </a:p>
@@ -10344,7 +10344,7 @@
         <p:spPr>
           <a:xfrm>
             <a:off x="139148" y="277689"/>
-            <a:ext cx="7961795" cy="369332"/>
+            <a:ext cx="7796686" cy="646331"/>
           </a:xfrm>
           <a:prstGeom prst="rect">
             <a:avLst/>
@@ -10373,7 +10373,20 @@
               <a:rPr lang="en-US" altLang="zh-TW" u="sng" dirty="0"/>
               <a:t>:</a:t>
             </a:r>
-            <a:endParaRPr lang="zh-TW" altLang="en-US" u="sng" dirty="0"/>
+          </a:p>
+          <a:p>
+            <a:r>
+              <a:rPr lang="zh-TW" altLang="en-US" u="sng" dirty="0"/>
+              <a:t>*使用</a:t>
+            </a:r>
+            <a:r>
+              <a:rPr lang="en-US" altLang="zh-TW" u="sng" dirty="0"/>
+              <a:t>MACRO</a:t>
+            </a:r>
+            <a:r>
+              <a:rPr lang="zh-TW" altLang="en-US" u="sng" dirty="0"/>
+              <a:t>展開可以得到依樣效果</a:t>
+            </a:r>
           </a:p>
         </p:txBody>
       </p:sp>
@@ -10399,7 +10412,7 @@
         </p:blipFill>
         <p:spPr>
           <a:xfrm>
-            <a:off x="693478" y="1296805"/>
+            <a:off x="693478" y="2012422"/>
             <a:ext cx="8811855" cy="4010585"/>
           </a:xfrm>
           <a:prstGeom prst="rect">
@@ -10421,7 +10434,7 @@
         </p:nvSpPr>
         <p:spPr>
           <a:xfrm>
-            <a:off x="693478" y="787247"/>
+            <a:off x="693478" y="1204691"/>
             <a:ext cx="2880917" cy="369332"/>
           </a:xfrm>
           <a:prstGeom prst="rect">
@@ -10506,7 +10519,7 @@
           <p:nvPr>
             <p:extLst>
               <p:ext uri="{D42A27DB-BD31-4B8C-83A1-F6EECF244321}">
-                <p14:modId xmlns:p14="http://schemas.microsoft.com/office/powerpoint/2010/main" val="2545605103"/>
+                <p14:modId xmlns:p14="http://schemas.microsoft.com/office/powerpoint/2010/main" val="1278546547"/>
               </p:ext>
             </p:extLst>
           </p:nvPr>
@@ -10717,7 +10730,7 @@
                             <a:srgbClr val="FF0000"/>
                           </a:solidFill>
                         </a:rPr>
-                        <a:t>1</a:t>
+                        <a:t>2</a:t>
                       </a:r>
                       <a:endParaRPr lang="zh-TW" altLang="en-US" dirty="0">
                         <a:solidFill>
@@ -10864,10 +10877,18 @@
                     <a:lstStyle/>
                     <a:p>
                       <a:r>
-                        <a:rPr lang="en-US" altLang="zh-TW" dirty="0"/>
-                        <a:t>13</a:t>
-                      </a:r>
-                      <a:endParaRPr lang="zh-TW" altLang="en-US" dirty="0"/>
+                        <a:rPr lang="en-US" altLang="zh-TW" dirty="0">
+                          <a:solidFill>
+                            <a:srgbClr val="FF0000"/>
+                          </a:solidFill>
+                        </a:rPr>
+                        <a:t>2</a:t>
+                      </a:r>
+                      <a:endParaRPr lang="zh-TW" altLang="en-US" dirty="0">
+                        <a:solidFill>
+                          <a:srgbClr val="FF0000"/>
+                        </a:solidFill>
+                      </a:endParaRPr>
                     </a:p>
                   </a:txBody>
                   <a:tcPr/>
@@ -10981,10 +11002,18 @@
                     <a:lstStyle/>
                     <a:p>
                       <a:r>
-                        <a:rPr lang="en-US" altLang="zh-TW" dirty="0"/>
-                        <a:t>13</a:t>
-                      </a:r>
-                      <a:endParaRPr lang="zh-TW" altLang="en-US" dirty="0"/>
+                        <a:rPr lang="en-US" altLang="zh-TW" dirty="0">
+                          <a:solidFill>
+                            <a:srgbClr val="FF0000"/>
+                          </a:solidFill>
+                        </a:rPr>
+                        <a:t>2</a:t>
+                      </a:r>
+                      <a:endParaRPr lang="zh-TW" altLang="en-US" dirty="0">
+                        <a:solidFill>
+                          <a:srgbClr val="FF0000"/>
+                        </a:solidFill>
+                      </a:endParaRPr>
                     </a:p>
                   </a:txBody>
                   <a:tcPr/>
@@ -11098,10 +11127,18 @@
                     <a:lstStyle/>
                     <a:p>
                       <a:r>
-                        <a:rPr lang="en-US" altLang="zh-TW" dirty="0"/>
-                        <a:t>13</a:t>
-                      </a:r>
-                      <a:endParaRPr lang="zh-TW" altLang="en-US" dirty="0"/>
+                        <a:rPr lang="en-US" altLang="zh-TW" dirty="0">
+                          <a:solidFill>
+                            <a:srgbClr val="FF0000"/>
+                          </a:solidFill>
+                        </a:rPr>
+                        <a:t>2</a:t>
+                      </a:r>
+                      <a:endParaRPr lang="zh-TW" altLang="en-US" dirty="0">
+                        <a:solidFill>
+                          <a:srgbClr val="FF0000"/>
+                        </a:solidFill>
+                      </a:endParaRPr>
                     </a:p>
                   </a:txBody>
                   <a:tcPr/>
@@ -11215,10 +11252,18 @@
                     <a:lstStyle/>
                     <a:p>
                       <a:r>
-                        <a:rPr lang="en-US" altLang="zh-TW" dirty="0"/>
-                        <a:t>1</a:t>
-                      </a:r>
-                      <a:endParaRPr lang="zh-TW" altLang="en-US" dirty="0"/>
+                        <a:rPr lang="en-US" altLang="zh-TW" dirty="0">
+                          <a:solidFill>
+                            <a:srgbClr val="FF0000"/>
+                          </a:solidFill>
+                        </a:rPr>
+                        <a:t>2</a:t>
+                      </a:r>
+                      <a:endParaRPr lang="zh-TW" altLang="en-US" dirty="0">
+                        <a:solidFill>
+                          <a:srgbClr val="FF0000"/>
+                        </a:solidFill>
+                      </a:endParaRPr>
                     </a:p>
                   </a:txBody>
                   <a:tcPr/>
@@ -11354,10 +11399,18 @@
                     <a:lstStyle/>
                     <a:p>
                       <a:r>
-                        <a:rPr lang="en-US" altLang="zh-TW" dirty="0"/>
-                        <a:t>1</a:t>
-                      </a:r>
-                      <a:endParaRPr lang="zh-TW" altLang="en-US" dirty="0"/>
+                        <a:rPr lang="en-US" altLang="zh-TW" dirty="0">
+                          <a:solidFill>
+                            <a:srgbClr val="FF0000"/>
+                          </a:solidFill>
+                        </a:rPr>
+                        <a:t>2</a:t>
+                      </a:r>
+                      <a:endParaRPr lang="zh-TW" altLang="en-US" dirty="0">
+                        <a:solidFill>
+                          <a:srgbClr val="FF0000"/>
+                        </a:solidFill>
+                      </a:endParaRPr>
                     </a:p>
                   </a:txBody>
                   <a:tcPr/>
@@ -11471,10 +11524,18 @@
                     <a:lstStyle/>
                     <a:p>
                       <a:r>
-                        <a:rPr lang="en-US" altLang="zh-TW" dirty="0"/>
-                        <a:t>8</a:t>
-                      </a:r>
-                      <a:endParaRPr lang="zh-TW" altLang="en-US" dirty="0"/>
+                        <a:rPr lang="en-US" altLang="zh-TW" dirty="0">
+                          <a:solidFill>
+                            <a:srgbClr val="FF0000"/>
+                          </a:solidFill>
+                        </a:rPr>
+                        <a:t>5</a:t>
+                      </a:r>
+                      <a:endParaRPr lang="zh-TW" altLang="en-US" dirty="0">
+                        <a:solidFill>
+                          <a:srgbClr val="FF0000"/>
+                        </a:solidFill>
+                      </a:endParaRPr>
                     </a:p>
                   </a:txBody>
                   <a:tcPr/>
@@ -11654,10 +11715,18 @@
                     <a:lstStyle/>
                     <a:p>
                       <a:r>
-                        <a:rPr lang="en-US" altLang="zh-TW" dirty="0"/>
-                        <a:t>10</a:t>
-                      </a:r>
-                      <a:endParaRPr lang="zh-TW" altLang="en-US" dirty="0"/>
+                        <a:rPr lang="en-US" altLang="zh-TW" dirty="0">
+                          <a:solidFill>
+                            <a:srgbClr val="FF0000"/>
+                          </a:solidFill>
+                        </a:rPr>
+                        <a:t>5</a:t>
+                      </a:r>
+                      <a:endParaRPr lang="zh-TW" altLang="en-US" dirty="0">
+                        <a:solidFill>
+                          <a:srgbClr val="FF0000"/>
+                        </a:solidFill>
+                      </a:endParaRPr>
                     </a:p>
                   </a:txBody>
                   <a:tcPr/>
